--- a/doc/task-02/Präsentation/Task02- Ärzte - Suchtpatienten.pptx
+++ b/doc/task-02/Präsentation/Task02- Ärzte - Suchtpatienten.pptx
@@ -5,7 +5,7 @@
     <p:sldMasterId id="2147483669" r:id="rId4"/>
   </p:sldMasterIdLst>
   <p:notesMasterIdLst>
-    <p:notesMasterId r:id="rId12"/>
+    <p:notesMasterId r:id="rId16"/>
   </p:notesMasterIdLst>
   <p:sldIdLst>
     <p:sldId id="256" r:id="rId5"/>
@@ -13,8 +13,12 @@
     <p:sldId id="257" r:id="rId7"/>
     <p:sldId id="260" r:id="rId8"/>
     <p:sldId id="297" r:id="rId9"/>
-    <p:sldId id="295" r:id="rId10"/>
-    <p:sldId id="296" r:id="rId11"/>
+    <p:sldId id="300" r:id="rId10"/>
+    <p:sldId id="298" r:id="rId11"/>
+    <p:sldId id="301" r:id="rId12"/>
+    <p:sldId id="299" r:id="rId13"/>
+    <p:sldId id="295" r:id="rId14"/>
+    <p:sldId id="296" r:id="rId15"/>
   </p:sldIdLst>
   <p:sldSz cx="12207875" cy="6858000"/>
   <p:notesSz cx="6797675" cy="9872663"/>
@@ -253,7 +257,7 @@
               <a:pPr>
                 <a:defRPr/>
               </a:pPr>
-              <a:t>12.11.2019</a:t>
+              <a:t>13.11.2019</a:t>
             </a:fld>
             <a:endParaRPr lang="de-CH"/>
           </a:p>
@@ -561,6 +565,136 @@
 </p:notesMaster>
 </file>
 
+<file path=ppt/notesSlides/notesSlide1.xml><?xml version="1.0" encoding="utf-8"?>
+<p:notes xmlns:a="http://schemas.openxmlformats.org/drawingml/2006/main" xmlns:r="http://schemas.openxmlformats.org/officeDocument/2006/relationships" xmlns:p="http://schemas.openxmlformats.org/presentationml/2006/main">
+  <p:cSld>
+    <p:spTree>
+      <p:nvGrpSpPr>
+        <p:cNvPr id="1" name=""/>
+        <p:cNvGrpSpPr/>
+        <p:nvPr/>
+      </p:nvGrpSpPr>
+      <p:grpSpPr>
+        <a:xfrm>
+          <a:off x="0" y="0"/>
+          <a:ext cx="0" cy="0"/>
+          <a:chOff x="0" y="0"/>
+          <a:chExt cx="0" cy="0"/>
+        </a:xfrm>
+      </p:grpSpPr>
+      <p:sp>
+        <p:nvSpPr>
+          <p:cNvPr id="2" name="Folienbildplatzhalter 1"/>
+          <p:cNvSpPr>
+            <a:spLocks noGrp="1" noRot="1" noChangeAspect="1"/>
+          </p:cNvSpPr>
+          <p:nvPr>
+            <p:ph type="sldImg"/>
+          </p:nvPr>
+        </p:nvSpPr>
+        <p:spPr/>
+      </p:sp>
+      <p:sp>
+        <p:nvSpPr>
+          <p:cNvPr id="3" name="Notizenplatzhalter 2"/>
+          <p:cNvSpPr>
+            <a:spLocks noGrp="1"/>
+          </p:cNvSpPr>
+          <p:nvPr>
+            <p:ph type="body" idx="1"/>
+          </p:nvPr>
+        </p:nvSpPr>
+        <p:spPr/>
+        <p:txBody>
+          <a:bodyPr/>
+          <a:lstStyle/>
+          <a:p>
+            <a:r>
+              <a:rPr lang="de-CH" dirty="0" smtClean="0"/>
+              <a:t>Startet auf der Medikamentenmaske – dort öffnet man eine Medikation für den Fall anhand des Patienten. Zuerst</a:t>
+            </a:r>
+            <a:r>
+              <a:rPr lang="de-CH" baseline="0" dirty="0" smtClean="0"/>
+              <a:t> muss man noch nach dem Patienten suchen.  Die Suchmaske gibt den eindeutigen Patienten zurück. Danach sollte man mit Hilfe des </a:t>
+            </a:r>
+            <a:r>
+              <a:rPr lang="de-CH" baseline="0" dirty="0" err="1" smtClean="0"/>
+              <a:t>Hospindex</a:t>
+            </a:r>
+            <a:r>
+              <a:rPr lang="de-CH" baseline="0" dirty="0" smtClean="0"/>
+              <a:t> Vorschläge für den eingegebenen Text bekommen. Hier werden mehrere </a:t>
+            </a:r>
+            <a:r>
+              <a:rPr lang="de-CH" baseline="0" dirty="0" err="1" smtClean="0"/>
+              <a:t>medikamente</a:t>
+            </a:r>
+            <a:r>
+              <a:rPr lang="de-CH" baseline="0" dirty="0" smtClean="0"/>
+              <a:t> vorgeschlagen, wobei der Arzt das richtige bestätigen muss.  Dies wird für N Medikamente wiederholt. Nach der Bestätigung wird die Dosierung berechnet und auf Bestätigung </a:t>
+            </a:r>
+            <a:r>
+              <a:rPr lang="de-CH" baseline="0" dirty="0" err="1" smtClean="0"/>
+              <a:t>wirden</a:t>
+            </a:r>
+            <a:r>
+              <a:rPr lang="de-CH" baseline="0" dirty="0" smtClean="0"/>
+              <a:t> die ausgewählten Medikamente angezeigt. Daraus wird ein Medikamentenplan generiert und mit Klick auf Button </a:t>
+            </a:r>
+            <a:r>
+              <a:rPr lang="de-CH" baseline="0" dirty="0" err="1" smtClean="0"/>
+              <a:t>Ckeckout</a:t>
+            </a:r>
+            <a:r>
+              <a:rPr lang="de-CH" baseline="0" dirty="0" smtClean="0"/>
+              <a:t> ist die Verordnung abgeschlossen.</a:t>
+            </a:r>
+            <a:endParaRPr lang="de-CH" dirty="0"/>
+          </a:p>
+        </p:txBody>
+      </p:sp>
+      <p:sp>
+        <p:nvSpPr>
+          <p:cNvPr id="4" name="Foliennummernplatzhalter 3"/>
+          <p:cNvSpPr>
+            <a:spLocks noGrp="1"/>
+          </p:cNvSpPr>
+          <p:nvPr>
+            <p:ph type="sldNum" sz="quarter" idx="10"/>
+          </p:nvPr>
+        </p:nvSpPr>
+        <p:spPr/>
+        <p:txBody>
+          <a:bodyPr/>
+          <a:lstStyle/>
+          <a:p>
+            <a:pPr>
+              <a:defRPr/>
+            </a:pPr>
+            <a:fld id="{EE3A4D74-8AB3-4782-8193-8B0B8D7F57EA}" type="slidenum">
+              <a:rPr lang="de-CH" smtClean="0"/>
+              <a:pPr>
+                <a:defRPr/>
+              </a:pPr>
+              <a:t>7</a:t>
+            </a:fld>
+            <a:endParaRPr lang="de-CH"/>
+          </a:p>
+        </p:txBody>
+      </p:sp>
+    </p:spTree>
+    <p:extLst>
+      <p:ext uri="{BB962C8B-B14F-4D97-AF65-F5344CB8AC3E}">
+        <p14:creationId xmlns:p14="http://schemas.microsoft.com/office/powerpoint/2010/main" val="3415686682"/>
+      </p:ext>
+    </p:extLst>
+  </p:cSld>
+  <p:clrMapOvr>
+    <a:masterClrMapping/>
+  </p:clrMapOvr>
+</p:notes>
+</file>
+
 <file path=ppt/slideLayouts/slideLayout1.xml><?xml version="1.0" encoding="utf-8"?>
 <p:sldLayout xmlns:a="http://schemas.openxmlformats.org/drawingml/2006/main" xmlns:r="http://schemas.openxmlformats.org/officeDocument/2006/relationships" xmlns:p="http://schemas.openxmlformats.org/presentationml/2006/main" preserve="1" userDrawn="1">
   <p:cSld name="Titelfolie mit Bild">
@@ -843,9 +977,17 @@
             <a:br>
               <a:rPr lang="de-DE" noProof="0" dirty="0"/>
             </a:br>
+            <a:r>
+              <a:rPr lang="de-DE" noProof="0" dirty="0"/>
+              <a:t/>
+            </a:r>
             <a:br>
               <a:rPr lang="de-DE" noProof="0" dirty="0"/>
             </a:br>
+            <a:r>
+              <a:rPr lang="de-DE" noProof="0" dirty="0"/>
+              <a:t/>
+            </a:r>
             <a:br>
               <a:rPr lang="de-DE" noProof="0" dirty="0"/>
             </a:br>
@@ -1184,7 +1326,7 @@
               <a:pPr>
                 <a:defRPr/>
               </a:pPr>
-              <a:t>12.11.2019</a:t>
+              <a:t>13.11.2019</a:t>
             </a:fld>
             <a:r>
               <a:rPr lang="de-DE" sz="1000"/>
@@ -2622,7 +2764,7 @@
               <a:pPr>
                 <a:defRPr/>
               </a:pPr>
-              <a:t>12.11.2019</a:t>
+              <a:t>13.11.2019</a:t>
             </a:fld>
             <a:r>
               <a:rPr lang="de-DE" sz="1000"/>
@@ -6602,7 +6744,7 @@
           <p:cNvPr id="3" name="Bildplatzhalter 2">
             <a:extLst>
               <a:ext uri="{FF2B5EF4-FFF2-40B4-BE49-F238E27FC236}">
-                <a16:creationId xmlns:a16="http://schemas.microsoft.com/office/drawing/2014/main" id="{772948CB-F8FB-431D-B98C-B24593EEFDA0}"/>
+                <a16:creationId xmlns:a16="http://schemas.microsoft.com/office/drawing/2014/main" xmlns="" id="{772948CB-F8FB-431D-B98C-B24593EEFDA0}"/>
               </a:ext>
             </a:extLst>
           </p:cNvPr>
@@ -6904,6 +7046,245 @@
   <p:clrMapOvr>
     <a:masterClrMapping/>
   </p:clrMapOvr>
+  <p:timing>
+    <p:tnLst>
+      <p:par>
+        <p:cTn id="1" dur="indefinite" restart="never" nodeType="tmRoot"/>
+      </p:par>
+    </p:tnLst>
+  </p:timing>
+</p:sld>
+</file>
+
+<file path=ppt/slides/slide10.xml><?xml version="1.0" encoding="utf-8"?>
+<p:sld xmlns:a="http://schemas.openxmlformats.org/drawingml/2006/main" xmlns:r="http://schemas.openxmlformats.org/officeDocument/2006/relationships" xmlns:p="http://schemas.openxmlformats.org/presentationml/2006/main">
+  <p:cSld>
+    <p:spTree>
+      <p:nvGrpSpPr>
+        <p:cNvPr id="1" name=""/>
+        <p:cNvGrpSpPr/>
+        <p:nvPr/>
+      </p:nvGrpSpPr>
+      <p:grpSpPr>
+        <a:xfrm>
+          <a:off x="0" y="0"/>
+          <a:ext cx="0" cy="0"/>
+          <a:chOff x="0" y="0"/>
+          <a:chExt cx="0" cy="0"/>
+        </a:xfrm>
+      </p:grpSpPr>
+      <p:pic>
+        <p:nvPicPr>
+          <p:cNvPr id="13" name="Grafik 12">
+            <a:extLst>
+              <a:ext uri="{FF2B5EF4-FFF2-40B4-BE49-F238E27FC236}">
+                <a16:creationId xmlns:a16="http://schemas.microsoft.com/office/drawing/2014/main" xmlns="" id="{6EF3C421-221B-4F42-8AD6-63E9FF2AD151}"/>
+              </a:ext>
+            </a:extLst>
+          </p:cNvPr>
+          <p:cNvPicPr>
+            <a:picLocks noChangeAspect="1"/>
+          </p:cNvPicPr>
+          <p:nvPr/>
+        </p:nvPicPr>
+        <p:blipFill rotWithShape="1">
+          <a:blip r:embed="rId2"/>
+          <a:srcRect l="23496" r="30643"/>
+          <a:stretch/>
+        </p:blipFill>
+        <p:spPr>
+          <a:xfrm>
+            <a:off x="8897679" y="1127361"/>
+            <a:ext cx="2395796" cy="3425590"/>
+          </a:xfrm>
+          <a:prstGeom prst="rect">
+            <a:avLst/>
+          </a:prstGeom>
+        </p:spPr>
+      </p:pic>
+      <p:sp>
+        <p:nvSpPr>
+          <p:cNvPr id="10" name="Titel 1">
+            <a:extLst>
+              <a:ext uri="{FF2B5EF4-FFF2-40B4-BE49-F238E27FC236}">
+                <a16:creationId xmlns:a16="http://schemas.microsoft.com/office/drawing/2014/main" xmlns="" id="{B70EFBCC-DB23-49EA-8BE3-C6992669D884}"/>
+              </a:ext>
+            </a:extLst>
+          </p:cNvPr>
+          <p:cNvSpPr>
+            <a:spLocks noGrp="1"/>
+          </p:cNvSpPr>
+          <p:nvPr>
+            <p:ph type="ctrTitle"/>
+          </p:nvPr>
+        </p:nvSpPr>
+        <p:spPr>
+          <a:xfrm>
+            <a:off x="457200" y="1839809"/>
+            <a:ext cx="7020000" cy="533105"/>
+          </a:xfrm>
+        </p:spPr>
+        <p:txBody>
+          <a:bodyPr/>
+          <a:lstStyle/>
+          <a:p>
+            <a:r>
+              <a:rPr lang="de-CH" dirty="0"/>
+              <a:t>Vielen Dank für eure Aufmerksamkeit</a:t>
+            </a:r>
+          </a:p>
+        </p:txBody>
+      </p:sp>
+      <p:sp>
+        <p:nvSpPr>
+          <p:cNvPr id="11" name="Untertitel 2">
+            <a:extLst>
+              <a:ext uri="{FF2B5EF4-FFF2-40B4-BE49-F238E27FC236}">
+                <a16:creationId xmlns:a16="http://schemas.microsoft.com/office/drawing/2014/main" xmlns="" id="{2B90D937-9CC2-415E-8B1D-D07BB3D9D099}"/>
+              </a:ext>
+            </a:extLst>
+          </p:cNvPr>
+          <p:cNvSpPr>
+            <a:spLocks noGrp="1"/>
+          </p:cNvSpPr>
+          <p:nvPr>
+            <p:ph type="subTitle" idx="1"/>
+          </p:nvPr>
+        </p:nvSpPr>
+        <p:spPr>
+          <a:xfrm>
+            <a:off x="457200" y="2448000"/>
+            <a:ext cx="7020000" cy="805526"/>
+          </a:xfrm>
+        </p:spPr>
+        <p:txBody>
+          <a:bodyPr/>
+          <a:lstStyle/>
+          <a:p>
+            <a:pPr marL="342900" indent="-342900">
+              <a:buFont typeface="Arial" panose="020B0604020202020204" pitchFamily="34" charset="0"/>
+              <a:buChar char="•"/>
+            </a:pPr>
+            <a:r>
+              <a:rPr lang="de-CH" sz="2400" dirty="0"/>
+              <a:t>Noch Fragen?</a:t>
+            </a:r>
+          </a:p>
+        </p:txBody>
+      </p:sp>
+    </p:spTree>
+    <p:extLst>
+      <p:ext uri="{BB962C8B-B14F-4D97-AF65-F5344CB8AC3E}">
+        <p14:creationId xmlns:p14="http://schemas.microsoft.com/office/powerpoint/2010/main" val="886910423"/>
+      </p:ext>
+    </p:extLst>
+  </p:cSld>
+  <p:clrMapOvr>
+    <a:masterClrMapping/>
+  </p:clrMapOvr>
+  <p:timing>
+    <p:tnLst>
+      <p:par>
+        <p:cTn id="1" dur="indefinite" restart="never" nodeType="tmRoot"/>
+      </p:par>
+    </p:tnLst>
+  </p:timing>
+</p:sld>
+</file>
+
+<file path=ppt/slides/slide11.xml><?xml version="1.0" encoding="utf-8"?>
+<p:sld xmlns:a="http://schemas.openxmlformats.org/drawingml/2006/main" xmlns:r="http://schemas.openxmlformats.org/officeDocument/2006/relationships" xmlns:p="http://schemas.openxmlformats.org/presentationml/2006/main">
+  <p:cSld>
+    <p:spTree>
+      <p:nvGrpSpPr>
+        <p:cNvPr id="1" name=""/>
+        <p:cNvGrpSpPr/>
+        <p:nvPr/>
+      </p:nvGrpSpPr>
+      <p:grpSpPr>
+        <a:xfrm>
+          <a:off x="0" y="0"/>
+          <a:ext cx="0" cy="0"/>
+          <a:chOff x="0" y="0"/>
+          <a:chExt cx="0" cy="0"/>
+        </a:xfrm>
+      </p:grpSpPr>
+      <p:sp>
+        <p:nvSpPr>
+          <p:cNvPr id="2" name="Inhaltsplatzhalter 1">
+            <a:extLst>
+              <a:ext uri="{FF2B5EF4-FFF2-40B4-BE49-F238E27FC236}">
+                <a16:creationId xmlns:a16="http://schemas.microsoft.com/office/drawing/2014/main" xmlns="" id="{19572D01-E7C4-4B81-9FCD-595177684BEA}"/>
+              </a:ext>
+            </a:extLst>
+          </p:cNvPr>
+          <p:cNvSpPr>
+            <a:spLocks noGrp="1"/>
+          </p:cNvSpPr>
+          <p:nvPr>
+            <p:ph sz="half" idx="1"/>
+          </p:nvPr>
+        </p:nvSpPr>
+        <p:spPr/>
+        <p:txBody>
+          <a:bodyPr/>
+          <a:lstStyle/>
+          <a:p>
+            <a:r>
+              <a:rPr lang="de-CH" dirty="0"/>
+              <a:t>Titelbild: https://image.jimcdn.com/app/cms/image/transf/dimension=697x10000:format=jpg/path/sd47613ceb1db53f4/image/ib674891e8fb5286a/version/1515513892/patientenzimmer-untersuchungszimmer-praxis-hausarzt-friedeck-rothenburg.jpg</a:t>
+            </a:r>
+          </a:p>
+          <a:p>
+            <a:endParaRPr lang="de-CH" dirty="0"/>
+          </a:p>
+        </p:txBody>
+      </p:sp>
+      <p:sp>
+        <p:nvSpPr>
+          <p:cNvPr id="3" name="Titel 2">
+            <a:extLst>
+              <a:ext uri="{FF2B5EF4-FFF2-40B4-BE49-F238E27FC236}">
+                <a16:creationId xmlns:a16="http://schemas.microsoft.com/office/drawing/2014/main" xmlns="" id="{93DE674A-067F-4DB4-9443-098DF8E86245}"/>
+              </a:ext>
+            </a:extLst>
+          </p:cNvPr>
+          <p:cNvSpPr>
+            <a:spLocks noGrp="1"/>
+          </p:cNvSpPr>
+          <p:nvPr>
+            <p:ph type="ctrTitle"/>
+          </p:nvPr>
+        </p:nvSpPr>
+        <p:spPr/>
+        <p:txBody>
+          <a:bodyPr/>
+          <a:lstStyle/>
+          <a:p>
+            <a:r>
+              <a:rPr lang="de-CH" dirty="0"/>
+              <a:t>Bilderquellen</a:t>
+            </a:r>
+          </a:p>
+        </p:txBody>
+      </p:sp>
+    </p:spTree>
+    <p:extLst>
+      <p:ext uri="{BB962C8B-B14F-4D97-AF65-F5344CB8AC3E}">
+        <p14:creationId xmlns:p14="http://schemas.microsoft.com/office/powerpoint/2010/main" val="766762239"/>
+      </p:ext>
+    </p:extLst>
+  </p:cSld>
+  <p:clrMapOvr>
+    <a:masterClrMapping/>
+  </p:clrMapOvr>
+  <p:timing>
+    <p:tnLst>
+      <p:par>
+        <p:cTn id="1" dur="indefinite" restart="never" nodeType="tmRoot"/>
+      </p:par>
+    </p:tnLst>
+  </p:timing>
 </p:sld>
 </file>
 
@@ -7104,6 +7485,13 @@
   <p:clrMapOvr>
     <a:masterClrMapping/>
   </p:clrMapOvr>
+  <p:timing>
+    <p:tnLst>
+      <p:par>
+        <p:cTn id="1" dur="indefinite" restart="never" nodeType="tmRoot"/>
+      </p:par>
+    </p:tnLst>
+  </p:timing>
 </p:sld>
 </file>
 
@@ -7323,6 +7711,13 @@
   <p:clrMapOvr>
     <a:masterClrMapping/>
   </p:clrMapOvr>
+  <p:timing>
+    <p:tnLst>
+      <p:par>
+        <p:cTn id="1" dur="indefinite" restart="never" nodeType="tmRoot"/>
+      </p:par>
+    </p:tnLst>
+  </p:timing>
 </p:sld>
 </file>
 
@@ -7348,7 +7743,7 @@
           <p:cNvPr id="2" name="Inhaltsplatzhalter 1">
             <a:extLst>
               <a:ext uri="{FF2B5EF4-FFF2-40B4-BE49-F238E27FC236}">
-                <a16:creationId xmlns:a16="http://schemas.microsoft.com/office/drawing/2014/main" id="{C95AD6AD-4A4D-4D79-AAB5-C46905DB7319}"/>
+                <a16:creationId xmlns:a16="http://schemas.microsoft.com/office/drawing/2014/main" xmlns="" id="{C95AD6AD-4A4D-4D79-AAB5-C46905DB7319}"/>
               </a:ext>
             </a:extLst>
           </p:cNvPr>
@@ -7455,6 +7850,13 @@
   <p:clrMapOvr>
     <a:masterClrMapping/>
   </p:clrMapOvr>
+  <p:timing>
+    <p:tnLst>
+      <p:par>
+        <p:cTn id="1" dur="indefinite" restart="never" nodeType="tmRoot"/>
+      </p:par>
+    </p:tnLst>
+  </p:timing>
 </p:sld>
 </file>
 
@@ -7541,6 +7943,13 @@
               </a:rPr>
               <a:t>diagram</a:t>
             </a:r>
+            <a:r>
+              <a:rPr lang="de-CH" dirty="0">
+                <a:latin typeface="Lucida Sans" pitchFamily="34" charset="0"/>
+                <a:cs typeface="Lucida Sans Unicode" pitchFamily="34" charset="0"/>
+              </a:rPr>
+              <a:t/>
+            </a:r>
             <a:br>
               <a:rPr lang="de-CH" dirty="0">
                 <a:latin typeface="Lucida Sans" pitchFamily="34" charset="0"/>
@@ -7678,6 +8087,13 @@
   <p:clrMapOvr>
     <a:masterClrMapping/>
   </p:clrMapOvr>
+  <p:timing>
+    <p:tnLst>
+      <p:par>
+        <p:cTn id="1" dur="indefinite" restart="never" nodeType="tmRoot"/>
+      </p:par>
+    </p:tnLst>
+  </p:timing>
 </p:sld>
 </file>
 
@@ -7698,115 +8114,78 @@
           <a:chExt cx="0" cy="0"/>
         </a:xfrm>
       </p:grpSpPr>
+      <p:sp>
+        <p:nvSpPr>
+          <p:cNvPr id="3" name="Titel 2"/>
+          <p:cNvSpPr>
+            <a:spLocks noGrp="1"/>
+          </p:cNvSpPr>
+          <p:nvPr>
+            <p:ph type="ctrTitle"/>
+          </p:nvPr>
+        </p:nvSpPr>
+        <p:spPr/>
+        <p:txBody>
+          <a:bodyPr/>
+          <a:lstStyle/>
+          <a:p>
+            <a:r>
+              <a:rPr lang="de-CH" dirty="0" smtClean="0"/>
+              <a:t>Prototyp </a:t>
+            </a:r>
+            <a:r>
+              <a:rPr lang="de-CH" dirty="0">
+                <a:latin typeface="Lucida Sans" pitchFamily="34" charset="0"/>
+              </a:rPr>
+              <a:t>Medikamentenverordnung</a:t>
+            </a:r>
+            <a:endParaRPr lang="de-CH" dirty="0"/>
+          </a:p>
+        </p:txBody>
+      </p:sp>
       <p:pic>
         <p:nvPicPr>
-          <p:cNvPr id="13" name="Grafik 12">
-            <a:extLst>
-              <a:ext uri="{FF2B5EF4-FFF2-40B4-BE49-F238E27FC236}">
-                <a16:creationId xmlns:a16="http://schemas.microsoft.com/office/drawing/2014/main" id="{6EF3C421-221B-4F42-8AD6-63E9FF2AD151}"/>
-              </a:ext>
-            </a:extLst>
-          </p:cNvPr>
+          <p:cNvPr id="4" name="Inhaltsplatzhalter 3"/>
           <p:cNvPicPr>
-            <a:picLocks noChangeAspect="1"/>
+            <a:picLocks noGrp="1"/>
           </p:cNvPicPr>
-          <p:nvPr/>
+          <p:nvPr>
+            <p:ph sz="half" idx="1"/>
+          </p:nvPr>
         </p:nvPicPr>
-        <p:blipFill rotWithShape="1">
+        <p:blipFill>
           <a:blip r:embed="rId2"/>
-          <a:srcRect l="23496" r="30643"/>
-          <a:stretch/>
+          <a:stretch>
+            <a:fillRect/>
+          </a:stretch>
         </p:blipFill>
         <p:spPr>
           <a:xfrm>
-            <a:off x="8897679" y="1127361"/>
-            <a:ext cx="2395796" cy="3425590"/>
+            <a:off x="3030600" y="1331913"/>
+            <a:ext cx="6102225" cy="4787900"/>
           </a:xfrm>
           <a:prstGeom prst="rect">
             <a:avLst/>
           </a:prstGeom>
         </p:spPr>
       </p:pic>
-      <p:sp>
-        <p:nvSpPr>
-          <p:cNvPr id="10" name="Titel 1">
-            <a:extLst>
-              <a:ext uri="{FF2B5EF4-FFF2-40B4-BE49-F238E27FC236}">
-                <a16:creationId xmlns:a16="http://schemas.microsoft.com/office/drawing/2014/main" id="{B70EFBCC-DB23-49EA-8BE3-C6992669D884}"/>
-              </a:ext>
-            </a:extLst>
-          </p:cNvPr>
-          <p:cNvSpPr>
-            <a:spLocks noGrp="1"/>
-          </p:cNvSpPr>
-          <p:nvPr>
-            <p:ph type="ctrTitle"/>
-          </p:nvPr>
-        </p:nvSpPr>
-        <p:spPr>
-          <a:xfrm>
-            <a:off x="457200" y="1839809"/>
-            <a:ext cx="7020000" cy="533105"/>
-          </a:xfrm>
-        </p:spPr>
-        <p:txBody>
-          <a:bodyPr/>
-          <a:lstStyle/>
-          <a:p>
-            <a:r>
-              <a:rPr lang="de-CH" dirty="0"/>
-              <a:t>Vielen Dank für eure Aufmerksamkeit</a:t>
-            </a:r>
-          </a:p>
-        </p:txBody>
-      </p:sp>
-      <p:sp>
-        <p:nvSpPr>
-          <p:cNvPr id="11" name="Untertitel 2">
-            <a:extLst>
-              <a:ext uri="{FF2B5EF4-FFF2-40B4-BE49-F238E27FC236}">
-                <a16:creationId xmlns:a16="http://schemas.microsoft.com/office/drawing/2014/main" id="{2B90D937-9CC2-415E-8B1D-D07BB3D9D099}"/>
-              </a:ext>
-            </a:extLst>
-          </p:cNvPr>
-          <p:cNvSpPr>
-            <a:spLocks noGrp="1"/>
-          </p:cNvSpPr>
-          <p:nvPr>
-            <p:ph type="subTitle" idx="1"/>
-          </p:nvPr>
-        </p:nvSpPr>
-        <p:spPr>
-          <a:xfrm>
-            <a:off x="457200" y="2448000"/>
-            <a:ext cx="7020000" cy="805526"/>
-          </a:xfrm>
-        </p:spPr>
-        <p:txBody>
-          <a:bodyPr/>
-          <a:lstStyle/>
-          <a:p>
-            <a:pPr marL="342900" indent="-342900">
-              <a:buFont typeface="Arial" panose="020B0604020202020204" pitchFamily="34" charset="0"/>
-              <a:buChar char="•"/>
-            </a:pPr>
-            <a:r>
-              <a:rPr lang="de-CH" sz="2400" dirty="0"/>
-              <a:t>Noch Fragen?</a:t>
-            </a:r>
-          </a:p>
-        </p:txBody>
-      </p:sp>
     </p:spTree>
     <p:extLst>
       <p:ext uri="{BB962C8B-B14F-4D97-AF65-F5344CB8AC3E}">
-        <p14:creationId xmlns:p14="http://schemas.microsoft.com/office/powerpoint/2010/main" val="886910423"/>
+        <p14:creationId xmlns:p14="http://schemas.microsoft.com/office/powerpoint/2010/main" val="1238299198"/>
       </p:ext>
     </p:extLst>
   </p:cSld>
   <p:clrMapOvr>
     <a:masterClrMapping/>
   </p:clrMapOvr>
+  <p:timing>
+    <p:tnLst>
+      <p:par>
+        <p:cTn id="1" dur="indefinite" restart="never" nodeType="tmRoot"/>
+      </p:par>
+    </p:tnLst>
+  </p:timing>
 </p:sld>
 </file>
 
@@ -7829,44 +8208,7 @@
       </p:grpSpPr>
       <p:sp>
         <p:nvSpPr>
-          <p:cNvPr id="2" name="Inhaltsplatzhalter 1">
-            <a:extLst>
-              <a:ext uri="{FF2B5EF4-FFF2-40B4-BE49-F238E27FC236}">
-                <a16:creationId xmlns:a16="http://schemas.microsoft.com/office/drawing/2014/main" id="{19572D01-E7C4-4B81-9FCD-595177684BEA}"/>
-              </a:ext>
-            </a:extLst>
-          </p:cNvPr>
-          <p:cNvSpPr>
-            <a:spLocks noGrp="1"/>
-          </p:cNvSpPr>
-          <p:nvPr>
-            <p:ph sz="half" idx="1"/>
-          </p:nvPr>
-        </p:nvSpPr>
-        <p:spPr/>
-        <p:txBody>
-          <a:bodyPr/>
-          <a:lstStyle/>
-          <a:p>
-            <a:r>
-              <a:rPr lang="de-CH" dirty="0"/>
-              <a:t>Titelbild: https://image.jimcdn.com/app/cms/image/transf/dimension=697x10000:format=jpg/path/sd47613ceb1db53f4/image/ib674891e8fb5286a/version/1515513892/patientenzimmer-untersuchungszimmer-praxis-hausarzt-friedeck-rothenburg.jpg</a:t>
-            </a:r>
-          </a:p>
-          <a:p>
-            <a:endParaRPr lang="de-CH" dirty="0"/>
-          </a:p>
-        </p:txBody>
-      </p:sp>
-      <p:sp>
-        <p:nvSpPr>
-          <p:cNvPr id="3" name="Titel 2">
-            <a:extLst>
-              <a:ext uri="{FF2B5EF4-FFF2-40B4-BE49-F238E27FC236}">
-                <a16:creationId xmlns:a16="http://schemas.microsoft.com/office/drawing/2014/main" id="{93DE674A-067F-4DB4-9443-098DF8E86245}"/>
-              </a:ext>
-            </a:extLst>
-          </p:cNvPr>
+          <p:cNvPr id="10243" name="Titel 2"/>
           <p:cNvSpPr>
             <a:spLocks noGrp="1"/>
           </p:cNvSpPr>
@@ -7874,28 +8216,359 @@
             <p:ph type="ctrTitle"/>
           </p:nvPr>
         </p:nvSpPr>
-        <p:spPr/>
-        <p:txBody>
-          <a:bodyPr/>
+        <p:spPr bwMode="auto">
+          <a:xfrm>
+            <a:off x="457200" y="360363"/>
+            <a:ext cx="11249025" cy="539750"/>
+          </a:xfrm>
+          <a:noFill/>
+          <a:extLst>
+            <a:ext uri="{909E8E84-426E-40DD-AFC4-6F175D3DCCD1}">
+              <a14:hiddenFill xmlns:a14="http://schemas.microsoft.com/office/drawing/2010/main">
+                <a:solidFill>
+                  <a:srgbClr val="FFFFFF"/>
+                </a:solidFill>
+              </a14:hiddenFill>
+            </a:ext>
+            <a:ext uri="{91240B29-F687-4F45-9708-019B960494DF}">
+              <a14:hiddenLine xmlns:a14="http://schemas.microsoft.com/office/drawing/2010/main" w="9525">
+                <a:solidFill>
+                  <a:srgbClr val="000000"/>
+                </a:solidFill>
+                <a:miter lim="800000"/>
+                <a:headEnd/>
+                <a:tailEnd/>
+              </a14:hiddenLine>
+            </a:ext>
+          </a:extLst>
+        </p:spPr>
+        <p:txBody>
+          <a:bodyPr vert="horz" wrap="square" tIns="45720" bIns="45720" numCol="1" anchor="t" anchorCtr="0" compatLnSpc="1">
+            <a:prstTxWarp prst="textNoShape">
+              <a:avLst/>
+            </a:prstTxWarp>
+          </a:bodyPr>
           <a:lstStyle/>
           <a:p>
-            <a:r>
-              <a:rPr lang="de-CH" dirty="0"/>
-              <a:t>Bilderquellen</a:t>
-            </a:r>
-          </a:p>
-        </p:txBody>
-      </p:sp>
+            <a:pPr eaLnBrk="1" hangingPunct="1"/>
+            <a:r>
+              <a:rPr lang="de-CH" dirty="0" smtClean="0">
+                <a:latin typeface="Lucida Sans" pitchFamily="34" charset="0"/>
+              </a:rPr>
+              <a:t>Sequenzdiagramm Medikamentenverordnung</a:t>
+            </a:r>
+            <a:endParaRPr lang="de-CH" dirty="0">
+              <a:latin typeface="Lucida Sans" pitchFamily="34" charset="0"/>
+            </a:endParaRPr>
+          </a:p>
+        </p:txBody>
+      </p:sp>
+      <p:pic>
+        <p:nvPicPr>
+          <p:cNvPr id="4" name="Inhaltsplatzhalter 3"/>
+          <p:cNvPicPr>
+            <a:picLocks noGrp="1" noChangeAspect="1"/>
+          </p:cNvPicPr>
+          <p:nvPr>
+            <p:ph sz="half" idx="1"/>
+          </p:nvPr>
+        </p:nvPicPr>
+        <p:blipFill>
+          <a:blip r:embed="rId3">
+            <a:extLst>
+              <a:ext uri="{28A0092B-C50C-407E-A947-70E740481C1C}">
+                <a14:useLocalDpi xmlns:a14="http://schemas.microsoft.com/office/drawing/2010/main" val="0"/>
+              </a:ext>
+            </a:extLst>
+          </a:blip>
+          <a:stretch>
+            <a:fillRect/>
+          </a:stretch>
+        </p:blipFill>
+        <p:spPr>
+          <a:xfrm>
+            <a:off x="1967358" y="900113"/>
+            <a:ext cx="8228707" cy="5352222"/>
+          </a:xfrm>
+        </p:spPr>
+      </p:pic>
     </p:spTree>
     <p:extLst>
       <p:ext uri="{BB962C8B-B14F-4D97-AF65-F5344CB8AC3E}">
-        <p14:creationId xmlns:p14="http://schemas.microsoft.com/office/powerpoint/2010/main" val="766762239"/>
+        <p14:creationId xmlns:p14="http://schemas.microsoft.com/office/powerpoint/2010/main" val="1682033666"/>
       </p:ext>
     </p:extLst>
   </p:cSld>
   <p:clrMapOvr>
     <a:masterClrMapping/>
   </p:clrMapOvr>
+  <p:timing>
+    <p:tnLst>
+      <p:par>
+        <p:cTn id="1" dur="indefinite" restart="never" nodeType="tmRoot"/>
+      </p:par>
+    </p:tnLst>
+  </p:timing>
+</p:sld>
+</file>
+
+<file path=ppt/slides/slide8.xml><?xml version="1.0" encoding="utf-8"?>
+<p:sld xmlns:a="http://schemas.openxmlformats.org/drawingml/2006/main" xmlns:r="http://schemas.openxmlformats.org/officeDocument/2006/relationships" xmlns:p="http://schemas.openxmlformats.org/presentationml/2006/main">
+  <p:cSld>
+    <p:spTree>
+      <p:nvGrpSpPr>
+        <p:cNvPr id="1" name=""/>
+        <p:cNvGrpSpPr/>
+        <p:nvPr/>
+      </p:nvGrpSpPr>
+      <p:grpSpPr>
+        <a:xfrm>
+          <a:off x="0" y="0"/>
+          <a:ext cx="0" cy="0"/>
+          <a:chOff x="0" y="0"/>
+          <a:chExt cx="0" cy="0"/>
+        </a:xfrm>
+      </p:grpSpPr>
+      <p:sp>
+        <p:nvSpPr>
+          <p:cNvPr id="3" name="Titel 2"/>
+          <p:cNvSpPr>
+            <a:spLocks noGrp="1"/>
+          </p:cNvSpPr>
+          <p:nvPr>
+            <p:ph type="ctrTitle"/>
+          </p:nvPr>
+        </p:nvSpPr>
+        <p:spPr/>
+        <p:txBody>
+          <a:bodyPr/>
+          <a:lstStyle/>
+          <a:p>
+            <a:r>
+              <a:rPr lang="de-CH" dirty="0" smtClean="0"/>
+              <a:t>Prototyp Terminplan</a:t>
+            </a:r>
+            <a:endParaRPr lang="de-CH" dirty="0"/>
+          </a:p>
+        </p:txBody>
+      </p:sp>
+      <p:pic>
+        <p:nvPicPr>
+          <p:cNvPr id="4" name="Inhaltsplatzhalter 3"/>
+          <p:cNvPicPr>
+            <a:picLocks noGrp="1"/>
+          </p:cNvPicPr>
+          <p:nvPr>
+            <p:ph sz="half" idx="1"/>
+          </p:nvPr>
+        </p:nvPicPr>
+        <p:blipFill>
+          <a:blip r:embed="rId2"/>
+          <a:stretch>
+            <a:fillRect/>
+          </a:stretch>
+        </p:blipFill>
+        <p:spPr>
+          <a:xfrm>
+            <a:off x="3030600" y="1331913"/>
+            <a:ext cx="6102225" cy="4787900"/>
+          </a:xfrm>
+          <a:prstGeom prst="rect">
+            <a:avLst/>
+          </a:prstGeom>
+        </p:spPr>
+      </p:pic>
+      <p:pic>
+        <p:nvPicPr>
+          <p:cNvPr id="5" name="Grafik 4" descr="https://s3.amazonaws.com/assets.mockflow.com/app/wireframepro/company/Cd4da7c777e0eaad36e3b28a3cd97e615/projects/M20b45a87bb56563bc0ab206c9f6d15291572382662225/pages/9113556c3e86465aa71e2960aa2fa876/image/9113556c3e86465aa71e2960aa2fa876.png"/>
+          <p:cNvPicPr/>
+          <p:nvPr/>
+        </p:nvPicPr>
+        <p:blipFill>
+          <a:blip r:embed="rId3">
+            <a:extLst>
+              <a:ext uri="{28A0092B-C50C-407E-A947-70E740481C1C}">
+                <a14:useLocalDpi xmlns:a14="http://schemas.microsoft.com/office/drawing/2010/main" val="0"/>
+              </a:ext>
+            </a:extLst>
+          </a:blip>
+          <a:srcRect/>
+          <a:stretch>
+            <a:fillRect/>
+          </a:stretch>
+        </p:blipFill>
+        <p:spPr bwMode="auto">
+          <a:xfrm>
+            <a:off x="2780982" y="914083"/>
+            <a:ext cx="6645910" cy="5205730"/>
+          </a:xfrm>
+          <a:prstGeom prst="rect">
+            <a:avLst/>
+          </a:prstGeom>
+          <a:noFill/>
+          <a:ln>
+            <a:noFill/>
+          </a:ln>
+        </p:spPr>
+      </p:pic>
+    </p:spTree>
+    <p:extLst>
+      <p:ext uri="{BB962C8B-B14F-4D97-AF65-F5344CB8AC3E}">
+        <p14:creationId xmlns:p14="http://schemas.microsoft.com/office/powerpoint/2010/main" val="3127065025"/>
+      </p:ext>
+    </p:extLst>
+  </p:cSld>
+  <p:clrMapOvr>
+    <a:masterClrMapping/>
+  </p:clrMapOvr>
+  <p:timing>
+    <p:tnLst>
+      <p:par>
+        <p:cTn id="1" dur="indefinite" restart="never" nodeType="tmRoot"/>
+      </p:par>
+    </p:tnLst>
+  </p:timing>
+</p:sld>
+</file>
+
+<file path=ppt/slides/slide9.xml><?xml version="1.0" encoding="utf-8"?>
+<p:sld xmlns:a="http://schemas.openxmlformats.org/drawingml/2006/main" xmlns:r="http://schemas.openxmlformats.org/officeDocument/2006/relationships" xmlns:p="http://schemas.openxmlformats.org/presentationml/2006/main">
+  <p:cSld>
+    <p:spTree>
+      <p:nvGrpSpPr>
+        <p:cNvPr id="1" name=""/>
+        <p:cNvGrpSpPr/>
+        <p:nvPr/>
+      </p:nvGrpSpPr>
+      <p:grpSpPr>
+        <a:xfrm>
+          <a:off x="0" y="0"/>
+          <a:ext cx="0" cy="0"/>
+          <a:chOff x="0" y="0"/>
+          <a:chExt cx="0" cy="0"/>
+        </a:xfrm>
+      </p:grpSpPr>
+      <p:sp>
+        <p:nvSpPr>
+          <p:cNvPr id="10243" name="Titel 2"/>
+          <p:cNvSpPr>
+            <a:spLocks noGrp="1"/>
+          </p:cNvSpPr>
+          <p:nvPr>
+            <p:ph type="ctrTitle"/>
+          </p:nvPr>
+        </p:nvSpPr>
+        <p:spPr bwMode="auto">
+          <a:xfrm>
+            <a:off x="457200" y="360363"/>
+            <a:ext cx="11249025" cy="539750"/>
+          </a:xfrm>
+          <a:noFill/>
+          <a:extLst>
+            <a:ext uri="{909E8E84-426E-40DD-AFC4-6F175D3DCCD1}">
+              <a14:hiddenFill xmlns:a14="http://schemas.microsoft.com/office/drawing/2010/main">
+                <a:solidFill>
+                  <a:srgbClr val="FFFFFF"/>
+                </a:solidFill>
+              </a14:hiddenFill>
+            </a:ext>
+            <a:ext uri="{91240B29-F687-4F45-9708-019B960494DF}">
+              <a14:hiddenLine xmlns:a14="http://schemas.microsoft.com/office/drawing/2010/main" w="9525">
+                <a:solidFill>
+                  <a:srgbClr val="000000"/>
+                </a:solidFill>
+                <a:miter lim="800000"/>
+                <a:headEnd/>
+                <a:tailEnd/>
+              </a14:hiddenLine>
+            </a:ext>
+          </a:extLst>
+        </p:spPr>
+        <p:txBody>
+          <a:bodyPr vert="horz" wrap="square" tIns="45720" bIns="45720" numCol="1" anchor="t" anchorCtr="0" compatLnSpc="1">
+            <a:prstTxWarp prst="textNoShape">
+              <a:avLst/>
+            </a:prstTxWarp>
+          </a:bodyPr>
+          <a:lstStyle/>
+          <a:p>
+            <a:pPr eaLnBrk="1" hangingPunct="1"/>
+            <a:r>
+              <a:rPr lang="de-CH" dirty="0">
+                <a:latin typeface="Lucida Sans" pitchFamily="34" charset="0"/>
+              </a:rPr>
+              <a:t>UML </a:t>
+            </a:r>
+            <a:r>
+              <a:rPr lang="de-CH" dirty="0" err="1">
+                <a:latin typeface="Lucida Sans" pitchFamily="34" charset="0"/>
+              </a:rPr>
+              <a:t>domain</a:t>
+            </a:r>
+            <a:r>
+              <a:rPr lang="de-CH" dirty="0">
+                <a:latin typeface="Lucida Sans" pitchFamily="34" charset="0"/>
+              </a:rPr>
+              <a:t> </a:t>
+            </a:r>
+            <a:r>
+              <a:rPr lang="de-CH" dirty="0" err="1">
+                <a:latin typeface="Lucida Sans" pitchFamily="34" charset="0"/>
+              </a:rPr>
+              <a:t>model</a:t>
+            </a:r>
+            <a:endParaRPr lang="de-CH" dirty="0">
+              <a:latin typeface="Lucida Sans" pitchFamily="34" charset="0"/>
+            </a:endParaRPr>
+          </a:p>
+        </p:txBody>
+      </p:sp>
+      <p:pic>
+        <p:nvPicPr>
+          <p:cNvPr id="4" name="Inhaltsplatzhalter 3"/>
+          <p:cNvPicPr>
+            <a:picLocks noGrp="1" noChangeAspect="1"/>
+          </p:cNvPicPr>
+          <p:nvPr>
+            <p:ph sz="half" idx="1"/>
+          </p:nvPr>
+        </p:nvPicPr>
+        <p:blipFill>
+          <a:blip r:embed="rId2">
+            <a:extLst>
+              <a:ext uri="{28A0092B-C50C-407E-A947-70E740481C1C}">
+                <a14:useLocalDpi xmlns:a14="http://schemas.microsoft.com/office/drawing/2010/main" val="0"/>
+              </a:ext>
+            </a:extLst>
+          </a:blip>
+          <a:stretch>
+            <a:fillRect/>
+          </a:stretch>
+        </p:blipFill>
+        <p:spPr>
+          <a:xfrm>
+            <a:off x="2362937" y="900113"/>
+            <a:ext cx="7437549" cy="5456694"/>
+          </a:xfrm>
+        </p:spPr>
+      </p:pic>
+    </p:spTree>
+    <p:extLst>
+      <p:ext uri="{BB962C8B-B14F-4D97-AF65-F5344CB8AC3E}">
+        <p14:creationId xmlns:p14="http://schemas.microsoft.com/office/powerpoint/2010/main" val="207245033"/>
+      </p:ext>
+    </p:extLst>
+  </p:cSld>
+  <p:clrMapOvr>
+    <a:masterClrMapping/>
+  </p:clrMapOvr>
+  <p:timing>
+    <p:tnLst>
+      <p:par>
+        <p:cTn id="1" dur="indefinite" restart="never" nodeType="tmRoot"/>
+      </p:par>
+    </p:tnLst>
+  </p:timing>
 </p:sld>
 </file>
 
@@ -8510,21 +9183,6 @@
 </file>
 
 <file path=customXml/item1.xml><?xml version="1.0" encoding="utf-8"?>
-<?mso-contentType ?>
-<FormTemplates xmlns="http://schemas.microsoft.com/sharepoint/v3/contenttype/forms">
-  <Display>DocumentLibraryForm</Display>
-  <Edit>DocumentLibraryForm</Edit>
-  <New>DocumentLibraryForm</New>
-</FormTemplates>
-</file>
-
-<file path=customXml/item2.xml><?xml version="1.0" encoding="utf-8"?>
-<p:properties xmlns:p="http://schemas.microsoft.com/office/2006/metadata/properties" xmlns:xsi="http://www.w3.org/2001/XMLSchema-instance" xmlns:pc="http://schemas.microsoft.com/office/infopath/2007/PartnerControls">
-  <documentManagement/>
-</p:properties>
-</file>
-
-<file path=customXml/item3.xml><?xml version="1.0" encoding="utf-8"?>
 <ct:contentTypeSchema xmlns:ct="http://schemas.microsoft.com/office/2006/metadata/contentType" xmlns:ma="http://schemas.microsoft.com/office/2006/metadata/properties/metaAttributes" ct:_="" ma:_="" ma:contentTypeName="Dokument" ma:contentTypeID="0x010100D78F6B955CE49741A0DA794E1BD19823" ma:contentTypeVersion="2" ma:contentTypeDescription="Ein neues Dokument erstellen." ma:contentTypeScope="" ma:versionID="b38c4b257f07a2bbe2e881e426cae38b">
   <xsd:schema xmlns:xsd="http://www.w3.org/2001/XMLSchema" xmlns:xs="http://www.w3.org/2001/XMLSchema" xmlns:p="http://schemas.microsoft.com/office/2006/metadata/properties" xmlns:ns3="de7f4a71-b510-446a-a776-c787f58d5553" targetNamespace="http://schemas.microsoft.com/office/2006/metadata/properties" ma:root="true" ma:fieldsID="98d1d1f20bcd69e07f996ac788fb9573" ns3:_="">
     <xsd:import namespace="de7f4a71-b510-446a-a776-c787f58d5553"/>
@@ -8656,10 +9314,35 @@
 </ct:contentTypeSchema>
 </file>
 
+<file path=customXml/item2.xml><?xml version="1.0" encoding="utf-8"?>
+<p:properties xmlns:p="http://schemas.microsoft.com/office/2006/metadata/properties" xmlns:xsi="http://www.w3.org/2001/XMLSchema-instance" xmlns:pc="http://schemas.microsoft.com/office/infopath/2007/PartnerControls">
+  <documentManagement/>
+</p:properties>
+</file>
+
+<file path=customXml/item3.xml><?xml version="1.0" encoding="utf-8"?>
+<?mso-contentType ?>
+<FormTemplates xmlns="http://schemas.microsoft.com/sharepoint/v3/contenttype/forms">
+  <Display>DocumentLibraryForm</Display>
+  <Edit>DocumentLibraryForm</Edit>
+  <New>DocumentLibraryForm</New>
+</FormTemplates>
+</file>
+
 <file path=customXml/itemProps1.xml><?xml version="1.0" encoding="utf-8"?>
-<ds:datastoreItem xmlns:ds="http://schemas.openxmlformats.org/officeDocument/2006/customXml" ds:itemID="{7D2542CC-467A-4770-BDA7-ADCFF09F6DBF}">
+<ds:datastoreItem xmlns:ds="http://schemas.openxmlformats.org/officeDocument/2006/customXml" ds:itemID="{0626A31D-3B82-488A-B68B-0B333E20C417}">
   <ds:schemaRefs>
-    <ds:schemaRef ds:uri="http://schemas.microsoft.com/sharepoint/v3/contenttype/forms"/>
+    <ds:schemaRef ds:uri="http://schemas.microsoft.com/office/2006/metadata/contentType"/>
+    <ds:schemaRef ds:uri="http://schemas.microsoft.com/office/2006/metadata/properties/metaAttributes"/>
+    <ds:schemaRef ds:uri="http://www.w3.org/2001/XMLSchema"/>
+    <ds:schemaRef ds:uri="http://schemas.microsoft.com/office/2006/metadata/properties"/>
+    <ds:schemaRef ds:uri="de7f4a71-b510-446a-a776-c787f58d5553"/>
+    <ds:schemaRef ds:uri="http://schemas.microsoft.com/office/2006/documentManagement/types"/>
+    <ds:schemaRef ds:uri="http://schemas.microsoft.com/office/infopath/2007/PartnerControls"/>
+    <ds:schemaRef ds:uri="http://schemas.openxmlformats.org/package/2006/metadata/core-properties"/>
+    <ds:schemaRef ds:uri="http://purl.org/dc/elements/1.1/"/>
+    <ds:schemaRef ds:uri="http://purl.org/dc/terms/"/>
+    <ds:schemaRef ds:uri="http://schemas.microsoft.com/internal/obd"/>
   </ds:schemaRefs>
 </ds:datastoreItem>
 </file>
@@ -8681,19 +9364,9 @@
 </file>
 
 <file path=customXml/itemProps3.xml><?xml version="1.0" encoding="utf-8"?>
-<ds:datastoreItem xmlns:ds="http://schemas.openxmlformats.org/officeDocument/2006/customXml" ds:itemID="{0626A31D-3B82-488A-B68B-0B333E20C417}">
+<ds:datastoreItem xmlns:ds="http://schemas.openxmlformats.org/officeDocument/2006/customXml" ds:itemID="{7D2542CC-467A-4770-BDA7-ADCFF09F6DBF}">
   <ds:schemaRefs>
-    <ds:schemaRef ds:uri="http://schemas.microsoft.com/office/2006/metadata/contentType"/>
-    <ds:schemaRef ds:uri="http://schemas.microsoft.com/office/2006/metadata/properties/metaAttributes"/>
-    <ds:schemaRef ds:uri="http://www.w3.org/2001/XMLSchema"/>
-    <ds:schemaRef ds:uri="http://schemas.microsoft.com/office/2006/metadata/properties"/>
-    <ds:schemaRef ds:uri="de7f4a71-b510-446a-a776-c787f58d5553"/>
-    <ds:schemaRef ds:uri="http://schemas.microsoft.com/office/2006/documentManagement/types"/>
-    <ds:schemaRef ds:uri="http://schemas.microsoft.com/office/infopath/2007/PartnerControls"/>
-    <ds:schemaRef ds:uri="http://schemas.openxmlformats.org/package/2006/metadata/core-properties"/>
-    <ds:schemaRef ds:uri="http://purl.org/dc/elements/1.1/"/>
-    <ds:schemaRef ds:uri="http://purl.org/dc/terms/"/>
-    <ds:schemaRef ds:uri="http://schemas.microsoft.com/internal/obd"/>
+    <ds:schemaRef ds:uri="http://schemas.microsoft.com/sharepoint/v3/contenttype/forms"/>
   </ds:schemaRefs>
 </ds:datastoreItem>
 </file>
--- a/doc/task-02/Präsentation/Task02- Ärzte - Suchtpatienten.pptx
+++ b/doc/task-02/Präsentation/Task02- Ärzte - Suchtpatienten.pptx
@@ -6744,7 +6744,7 @@
           <p:cNvPr id="3" name="Bildplatzhalter 2">
             <a:extLst>
               <a:ext uri="{FF2B5EF4-FFF2-40B4-BE49-F238E27FC236}">
-                <a16:creationId xmlns:a16="http://schemas.microsoft.com/office/drawing/2014/main" xmlns="" id="{772948CB-F8FB-431D-B98C-B24593EEFDA0}"/>
+                <a16:creationId xmlns="" xmlns:a16="http://schemas.microsoft.com/office/drawing/2014/main" id="{772948CB-F8FB-431D-B98C-B24593EEFDA0}"/>
               </a:ext>
             </a:extLst>
           </p:cNvPr>
@@ -7078,7 +7078,7 @@
           <p:cNvPr id="13" name="Grafik 12">
             <a:extLst>
               <a:ext uri="{FF2B5EF4-FFF2-40B4-BE49-F238E27FC236}">
-                <a16:creationId xmlns:a16="http://schemas.microsoft.com/office/drawing/2014/main" xmlns="" id="{6EF3C421-221B-4F42-8AD6-63E9FF2AD151}"/>
+                <a16:creationId xmlns="" xmlns:a16="http://schemas.microsoft.com/office/drawing/2014/main" id="{6EF3C421-221B-4F42-8AD6-63E9FF2AD151}"/>
               </a:ext>
             </a:extLst>
           </p:cNvPr>
@@ -7107,7 +7107,7 @@
           <p:cNvPr id="10" name="Titel 1">
             <a:extLst>
               <a:ext uri="{FF2B5EF4-FFF2-40B4-BE49-F238E27FC236}">
-                <a16:creationId xmlns:a16="http://schemas.microsoft.com/office/drawing/2014/main" xmlns="" id="{B70EFBCC-DB23-49EA-8BE3-C6992669D884}"/>
+                <a16:creationId xmlns="" xmlns:a16="http://schemas.microsoft.com/office/drawing/2014/main" id="{B70EFBCC-DB23-49EA-8BE3-C6992669D884}"/>
               </a:ext>
             </a:extLst>
           </p:cNvPr>
@@ -7140,7 +7140,7 @@
           <p:cNvPr id="11" name="Untertitel 2">
             <a:extLst>
               <a:ext uri="{FF2B5EF4-FFF2-40B4-BE49-F238E27FC236}">
-                <a16:creationId xmlns:a16="http://schemas.microsoft.com/office/drawing/2014/main" xmlns="" id="{2B90D937-9CC2-415E-8B1D-D07BB3D9D099}"/>
+                <a16:creationId xmlns="" xmlns:a16="http://schemas.microsoft.com/office/drawing/2014/main" id="{2B90D937-9CC2-415E-8B1D-D07BB3D9D099}"/>
               </a:ext>
             </a:extLst>
           </p:cNvPr>
@@ -7214,7 +7214,7 @@
           <p:cNvPr id="2" name="Inhaltsplatzhalter 1">
             <a:extLst>
               <a:ext uri="{FF2B5EF4-FFF2-40B4-BE49-F238E27FC236}">
-                <a16:creationId xmlns:a16="http://schemas.microsoft.com/office/drawing/2014/main" xmlns="" id="{19572D01-E7C4-4B81-9FCD-595177684BEA}"/>
+                <a16:creationId xmlns="" xmlns:a16="http://schemas.microsoft.com/office/drawing/2014/main" id="{19572D01-E7C4-4B81-9FCD-595177684BEA}"/>
               </a:ext>
             </a:extLst>
           </p:cNvPr>
@@ -7245,7 +7245,7 @@
           <p:cNvPr id="3" name="Titel 2">
             <a:extLst>
               <a:ext uri="{FF2B5EF4-FFF2-40B4-BE49-F238E27FC236}">
-                <a16:creationId xmlns:a16="http://schemas.microsoft.com/office/drawing/2014/main" xmlns="" id="{93DE674A-067F-4DB4-9443-098DF8E86245}"/>
+                <a16:creationId xmlns="" xmlns:a16="http://schemas.microsoft.com/office/drawing/2014/main" id="{93DE674A-067F-4DB4-9443-098DF8E86245}"/>
               </a:ext>
             </a:extLst>
           </p:cNvPr>
@@ -7743,7 +7743,7 @@
           <p:cNvPr id="2" name="Inhaltsplatzhalter 1">
             <a:extLst>
               <a:ext uri="{FF2B5EF4-FFF2-40B4-BE49-F238E27FC236}">
-                <a16:creationId xmlns:a16="http://schemas.microsoft.com/office/drawing/2014/main" xmlns="" id="{C95AD6AD-4A4D-4D79-AAB5-C46905DB7319}"/>
+                <a16:creationId xmlns="" xmlns:a16="http://schemas.microsoft.com/office/drawing/2014/main" id="{C95AD6AD-4A4D-4D79-AAB5-C46905DB7319}"/>
               </a:ext>
             </a:extLst>
           </p:cNvPr>
@@ -8161,8 +8161,8 @@
         </p:blipFill>
         <p:spPr>
           <a:xfrm>
-            <a:off x="3030600" y="1331913"/>
-            <a:ext cx="6102225" cy="4787900"/>
+            <a:off x="2608084" y="900000"/>
+            <a:ext cx="6947256" cy="5450924"/>
           </a:xfrm>
           <a:prstGeom prst="rect">
             <a:avLst/>
@@ -8354,53 +8354,25 @@
       </p:sp>
       <p:pic>
         <p:nvPicPr>
-          <p:cNvPr id="4" name="Inhaltsplatzhalter 3"/>
-          <p:cNvPicPr>
-            <a:picLocks noGrp="1"/>
-          </p:cNvPicPr>
-          <p:nvPr>
-            <p:ph sz="half" idx="1"/>
-          </p:nvPr>
-        </p:nvPicPr>
-        <p:blipFill>
-          <a:blip r:embed="rId2"/>
-          <a:stretch>
-            <a:fillRect/>
-          </a:stretch>
-        </p:blipFill>
-        <p:spPr>
-          <a:xfrm>
-            <a:off x="3030600" y="1331913"/>
-            <a:ext cx="6102225" cy="4787900"/>
-          </a:xfrm>
-          <a:prstGeom prst="rect">
-            <a:avLst/>
-          </a:prstGeom>
-        </p:spPr>
-      </p:pic>
-      <p:pic>
-        <p:nvPicPr>
           <p:cNvPr id="5" name="Grafik 4" descr="https://s3.amazonaws.com/assets.mockflow.com/app/wireframepro/company/Cd4da7c777e0eaad36e3b28a3cd97e615/projects/M20b45a87bb56563bc0ab206c9f6d15291572382662225/pages/9113556c3e86465aa71e2960aa2fa876/image/9113556c3e86465aa71e2960aa2fa876.png"/>
           <p:cNvPicPr/>
           <p:nvPr/>
         </p:nvPicPr>
-        <p:blipFill>
-          <a:blip r:embed="rId3">
+        <p:blipFill rotWithShape="1">
+          <a:blip r:embed="rId2">
             <a:extLst>
               <a:ext uri="{28A0092B-C50C-407E-A947-70E740481C1C}">
                 <a14:useLocalDpi xmlns:a14="http://schemas.microsoft.com/office/drawing/2010/main" val="0"/>
               </a:ext>
             </a:extLst>
           </a:blip>
-          <a:srcRect/>
-          <a:stretch>
-            <a:fillRect/>
-          </a:stretch>
+          <a:srcRect l="5187" t="1278" r="3005" b="11209"/>
+          <a:stretch/>
         </p:blipFill>
         <p:spPr bwMode="auto">
           <a:xfrm>
-            <a:off x="2780982" y="914083"/>
-            <a:ext cx="6645910" cy="5205730"/>
+            <a:off x="2420305" y="899999"/>
+            <a:ext cx="7322813" cy="5467549"/>
           </a:xfrm>
           <a:prstGeom prst="rect">
             <a:avLst/>
@@ -8411,6 +8383,25 @@
           </a:ln>
         </p:spPr>
       </p:pic>
+      <p:sp>
+        <p:nvSpPr>
+          <p:cNvPr id="2" name="Inhaltsplatzhalter 1"/>
+          <p:cNvSpPr>
+            <a:spLocks noGrp="1"/>
+          </p:cNvSpPr>
+          <p:nvPr>
+            <p:ph sz="half" idx="1"/>
+          </p:nvPr>
+        </p:nvSpPr>
+        <p:spPr/>
+        <p:txBody>
+          <a:bodyPr/>
+          <a:lstStyle/>
+          <a:p>
+            <a:endParaRPr lang="de-CH" dirty="0"/>
+          </a:p>
+        </p:txBody>
+      </p:sp>
     </p:spTree>
     <p:extLst>
       <p:ext uri="{BB962C8B-B14F-4D97-AF65-F5344CB8AC3E}">
@@ -9315,18 +9306,18 @@
 </file>
 
 <file path=customXml/item2.xml><?xml version="1.0" encoding="utf-8"?>
-<p:properties xmlns:p="http://schemas.microsoft.com/office/2006/metadata/properties" xmlns:xsi="http://www.w3.org/2001/XMLSchema-instance" xmlns:pc="http://schemas.microsoft.com/office/infopath/2007/PartnerControls">
-  <documentManagement/>
-</p:properties>
-</file>
-
-<file path=customXml/item3.xml><?xml version="1.0" encoding="utf-8"?>
 <?mso-contentType ?>
 <FormTemplates xmlns="http://schemas.microsoft.com/sharepoint/v3/contenttype/forms">
   <Display>DocumentLibraryForm</Display>
   <Edit>DocumentLibraryForm</Edit>
   <New>DocumentLibraryForm</New>
 </FormTemplates>
+</file>
+
+<file path=customXml/item3.xml><?xml version="1.0" encoding="utf-8"?>
+<p:properties xmlns:p="http://schemas.microsoft.com/office/2006/metadata/properties" xmlns:xsi="http://www.w3.org/2001/XMLSchema-instance" xmlns:pc="http://schemas.microsoft.com/office/infopath/2007/PartnerControls">
+  <documentManagement/>
+</p:properties>
 </file>
 
 <file path=customXml/itemProps1.xml><?xml version="1.0" encoding="utf-8"?>
@@ -9348,6 +9339,14 @@
 </file>
 
 <file path=customXml/itemProps2.xml><?xml version="1.0" encoding="utf-8"?>
+<ds:datastoreItem xmlns:ds="http://schemas.openxmlformats.org/officeDocument/2006/customXml" ds:itemID="{7D2542CC-467A-4770-BDA7-ADCFF09F6DBF}">
+  <ds:schemaRefs>
+    <ds:schemaRef ds:uri="http://schemas.microsoft.com/sharepoint/v3/contenttype/forms"/>
+  </ds:schemaRefs>
+</ds:datastoreItem>
+</file>
+
+<file path=customXml/itemProps3.xml><?xml version="1.0" encoding="utf-8"?>
 <ds:datastoreItem xmlns:ds="http://schemas.openxmlformats.org/officeDocument/2006/customXml" ds:itemID="{66985437-8812-4ABE-89CE-3E49C89E0BF6}">
   <ds:schemaRefs>
     <ds:schemaRef ds:uri="http://purl.org/dc/dcmitype/"/>
@@ -9361,12 +9360,4 @@
     <ds:schemaRef ds:uri="http://www.w3.org/XML/1998/namespace"/>
   </ds:schemaRefs>
 </ds:datastoreItem>
-</file>
-
-<file path=customXml/itemProps3.xml><?xml version="1.0" encoding="utf-8"?>
-<ds:datastoreItem xmlns:ds="http://schemas.openxmlformats.org/officeDocument/2006/customXml" ds:itemID="{7D2542CC-467A-4770-BDA7-ADCFF09F6DBF}">
-  <ds:schemaRefs>
-    <ds:schemaRef ds:uri="http://schemas.microsoft.com/sharepoint/v3/contenttype/forms"/>
-  </ds:schemaRefs>
-</ds:datastoreItem>
 </file>
--- a/doc/task-02/Präsentation/Task02- Ärzte - Suchtpatienten.pptx
+++ b/doc/task-02/Präsentation/Task02- Ärzte - Suchtpatienten.pptx
@@ -610,43 +610,43 @@
           <a:lstStyle/>
           <a:p>
             <a:r>
-              <a:rPr lang="de-CH" dirty="0" smtClean="0"/>
+              <a:rPr lang="de-CH" dirty="0"/>
               <a:t>Startet auf der Medikamentenmaske – dort öffnet man eine Medikation für den Fall anhand des Patienten. Zuerst</a:t>
             </a:r>
             <a:r>
-              <a:rPr lang="de-CH" baseline="0" dirty="0" smtClean="0"/>
+              <a:rPr lang="de-CH" baseline="0" dirty="0"/>
               <a:t> muss man noch nach dem Patienten suchen.  Die Suchmaske gibt den eindeutigen Patienten zurück. Danach sollte man mit Hilfe des </a:t>
             </a:r>
             <a:r>
-              <a:rPr lang="de-CH" baseline="0" dirty="0" err="1" smtClean="0"/>
+              <a:rPr lang="de-CH" baseline="0" dirty="0" err="1"/>
               <a:t>Hospindex</a:t>
             </a:r>
             <a:r>
-              <a:rPr lang="de-CH" baseline="0" dirty="0" smtClean="0"/>
+              <a:rPr lang="de-CH" baseline="0" dirty="0"/>
               <a:t> Vorschläge für den eingegebenen Text bekommen. Hier werden mehrere </a:t>
             </a:r>
             <a:r>
-              <a:rPr lang="de-CH" baseline="0" dirty="0" err="1" smtClean="0"/>
+              <a:rPr lang="de-CH" baseline="0" dirty="0" err="1"/>
               <a:t>medikamente</a:t>
             </a:r>
             <a:r>
-              <a:rPr lang="de-CH" baseline="0" dirty="0" smtClean="0"/>
+              <a:rPr lang="de-CH" baseline="0" dirty="0"/>
               <a:t> vorgeschlagen, wobei der Arzt das richtige bestätigen muss.  Dies wird für N Medikamente wiederholt. Nach der Bestätigung wird die Dosierung berechnet und auf Bestätigung </a:t>
             </a:r>
             <a:r>
-              <a:rPr lang="de-CH" baseline="0" dirty="0" err="1" smtClean="0"/>
+              <a:rPr lang="de-CH" baseline="0" dirty="0" err="1"/>
               <a:t>wirden</a:t>
             </a:r>
             <a:r>
-              <a:rPr lang="de-CH" baseline="0" dirty="0" smtClean="0"/>
+              <a:rPr lang="de-CH" baseline="0" dirty="0"/>
               <a:t> die ausgewählten Medikamente angezeigt. Daraus wird ein Medikamentenplan generiert und mit Klick auf Button </a:t>
             </a:r>
             <a:r>
-              <a:rPr lang="de-CH" baseline="0" dirty="0" err="1" smtClean="0"/>
+              <a:rPr lang="de-CH" baseline="0" dirty="0" err="1"/>
               <a:t>Ckeckout</a:t>
             </a:r>
             <a:r>
-              <a:rPr lang="de-CH" baseline="0" dirty="0" smtClean="0"/>
+              <a:rPr lang="de-CH" baseline="0" dirty="0"/>
               <a:t> ist die Verordnung abgeschlossen.</a:t>
             </a:r>
             <a:endParaRPr lang="de-CH" dirty="0"/>
@@ -977,17 +977,9 @@
             <a:br>
               <a:rPr lang="de-DE" noProof="0" dirty="0"/>
             </a:br>
-            <a:r>
-              <a:rPr lang="de-DE" noProof="0" dirty="0"/>
-              <a:t/>
-            </a:r>
             <a:br>
               <a:rPr lang="de-DE" noProof="0" dirty="0"/>
             </a:br>
-            <a:r>
-              <a:rPr lang="de-DE" noProof="0" dirty="0"/>
-              <a:t/>
-            </a:r>
             <a:br>
               <a:rPr lang="de-DE" noProof="0" dirty="0"/>
             </a:br>
@@ -6744,7 +6736,7 @@
           <p:cNvPr id="3" name="Bildplatzhalter 2">
             <a:extLst>
               <a:ext uri="{FF2B5EF4-FFF2-40B4-BE49-F238E27FC236}">
-                <a16:creationId xmlns="" xmlns:a16="http://schemas.microsoft.com/office/drawing/2014/main" id="{772948CB-F8FB-431D-B98C-B24593EEFDA0}"/>
+                <a16:creationId xmlns:a16="http://schemas.microsoft.com/office/drawing/2014/main" id="{772948CB-F8FB-431D-B98C-B24593EEFDA0}"/>
               </a:ext>
             </a:extLst>
           </p:cNvPr>
@@ -7046,13 +7038,6 @@
   <p:clrMapOvr>
     <a:masterClrMapping/>
   </p:clrMapOvr>
-  <p:timing>
-    <p:tnLst>
-      <p:par>
-        <p:cTn id="1" dur="indefinite" restart="never" nodeType="tmRoot"/>
-      </p:par>
-    </p:tnLst>
-  </p:timing>
 </p:sld>
 </file>
 
@@ -7078,7 +7063,7 @@
           <p:cNvPr id="13" name="Grafik 12">
             <a:extLst>
               <a:ext uri="{FF2B5EF4-FFF2-40B4-BE49-F238E27FC236}">
-                <a16:creationId xmlns="" xmlns:a16="http://schemas.microsoft.com/office/drawing/2014/main" id="{6EF3C421-221B-4F42-8AD6-63E9FF2AD151}"/>
+                <a16:creationId xmlns:a16="http://schemas.microsoft.com/office/drawing/2014/main" id="{6EF3C421-221B-4F42-8AD6-63E9FF2AD151}"/>
               </a:ext>
             </a:extLst>
           </p:cNvPr>
@@ -7107,7 +7092,7 @@
           <p:cNvPr id="10" name="Titel 1">
             <a:extLst>
               <a:ext uri="{FF2B5EF4-FFF2-40B4-BE49-F238E27FC236}">
-                <a16:creationId xmlns="" xmlns:a16="http://schemas.microsoft.com/office/drawing/2014/main" id="{B70EFBCC-DB23-49EA-8BE3-C6992669D884}"/>
+                <a16:creationId xmlns:a16="http://schemas.microsoft.com/office/drawing/2014/main" id="{B70EFBCC-DB23-49EA-8BE3-C6992669D884}"/>
               </a:ext>
             </a:extLst>
           </p:cNvPr>
@@ -7140,7 +7125,7 @@
           <p:cNvPr id="11" name="Untertitel 2">
             <a:extLst>
               <a:ext uri="{FF2B5EF4-FFF2-40B4-BE49-F238E27FC236}">
-                <a16:creationId xmlns="" xmlns:a16="http://schemas.microsoft.com/office/drawing/2014/main" id="{2B90D937-9CC2-415E-8B1D-D07BB3D9D099}"/>
+                <a16:creationId xmlns:a16="http://schemas.microsoft.com/office/drawing/2014/main" id="{2B90D937-9CC2-415E-8B1D-D07BB3D9D099}"/>
               </a:ext>
             </a:extLst>
           </p:cNvPr>
@@ -7182,13 +7167,6 @@
   <p:clrMapOvr>
     <a:masterClrMapping/>
   </p:clrMapOvr>
-  <p:timing>
-    <p:tnLst>
-      <p:par>
-        <p:cTn id="1" dur="indefinite" restart="never" nodeType="tmRoot"/>
-      </p:par>
-    </p:tnLst>
-  </p:timing>
 </p:sld>
 </file>
 
@@ -7214,7 +7192,7 @@
           <p:cNvPr id="2" name="Inhaltsplatzhalter 1">
             <a:extLst>
               <a:ext uri="{FF2B5EF4-FFF2-40B4-BE49-F238E27FC236}">
-                <a16:creationId xmlns="" xmlns:a16="http://schemas.microsoft.com/office/drawing/2014/main" id="{19572D01-E7C4-4B81-9FCD-595177684BEA}"/>
+                <a16:creationId xmlns:a16="http://schemas.microsoft.com/office/drawing/2014/main" id="{19572D01-E7C4-4B81-9FCD-595177684BEA}"/>
               </a:ext>
             </a:extLst>
           </p:cNvPr>
@@ -7245,7 +7223,7 @@
           <p:cNvPr id="3" name="Titel 2">
             <a:extLst>
               <a:ext uri="{FF2B5EF4-FFF2-40B4-BE49-F238E27FC236}">
-                <a16:creationId xmlns="" xmlns:a16="http://schemas.microsoft.com/office/drawing/2014/main" id="{93DE674A-067F-4DB4-9443-098DF8E86245}"/>
+                <a16:creationId xmlns:a16="http://schemas.microsoft.com/office/drawing/2014/main" id="{93DE674A-067F-4DB4-9443-098DF8E86245}"/>
               </a:ext>
             </a:extLst>
           </p:cNvPr>
@@ -7278,13 +7256,6 @@
   <p:clrMapOvr>
     <a:masterClrMapping/>
   </p:clrMapOvr>
-  <p:timing>
-    <p:tnLst>
-      <p:par>
-        <p:cTn id="1" dur="indefinite" restart="never" nodeType="tmRoot"/>
-      </p:par>
-    </p:tnLst>
-  </p:timing>
 </p:sld>
 </file>
 
@@ -7485,13 +7456,6 @@
   <p:clrMapOvr>
     <a:masterClrMapping/>
   </p:clrMapOvr>
-  <p:timing>
-    <p:tnLst>
-      <p:par>
-        <p:cTn id="1" dur="indefinite" restart="never" nodeType="tmRoot"/>
-      </p:par>
-    </p:tnLst>
-  </p:timing>
 </p:sld>
 </file>
 
@@ -7711,13 +7675,6 @@
   <p:clrMapOvr>
     <a:masterClrMapping/>
   </p:clrMapOvr>
-  <p:timing>
-    <p:tnLst>
-      <p:par>
-        <p:cTn id="1" dur="indefinite" restart="never" nodeType="tmRoot"/>
-      </p:par>
-    </p:tnLst>
-  </p:timing>
 </p:sld>
 </file>
 
@@ -7743,7 +7700,7 @@
           <p:cNvPr id="2" name="Inhaltsplatzhalter 1">
             <a:extLst>
               <a:ext uri="{FF2B5EF4-FFF2-40B4-BE49-F238E27FC236}">
-                <a16:creationId xmlns="" xmlns:a16="http://schemas.microsoft.com/office/drawing/2014/main" id="{C95AD6AD-4A4D-4D79-AAB5-C46905DB7319}"/>
+                <a16:creationId xmlns:a16="http://schemas.microsoft.com/office/drawing/2014/main" id="{C95AD6AD-4A4D-4D79-AAB5-C46905DB7319}"/>
               </a:ext>
             </a:extLst>
           </p:cNvPr>
@@ -7850,13 +7807,6 @@
   <p:clrMapOvr>
     <a:masterClrMapping/>
   </p:clrMapOvr>
-  <p:timing>
-    <p:tnLst>
-      <p:par>
-        <p:cTn id="1" dur="indefinite" restart="never" nodeType="tmRoot"/>
-      </p:par>
-    </p:tnLst>
-  </p:timing>
 </p:sld>
 </file>
 
@@ -7943,13 +7893,6 @@
               </a:rPr>
               <a:t>diagram</a:t>
             </a:r>
-            <a:r>
-              <a:rPr lang="de-CH" dirty="0">
-                <a:latin typeface="Lucida Sans" pitchFamily="34" charset="0"/>
-                <a:cs typeface="Lucida Sans Unicode" pitchFamily="34" charset="0"/>
-              </a:rPr>
-              <a:t/>
-            </a:r>
             <a:br>
               <a:rPr lang="de-CH" dirty="0">
                 <a:latin typeface="Lucida Sans" pitchFamily="34" charset="0"/>
@@ -8087,13 +8030,6 @@
   <p:clrMapOvr>
     <a:masterClrMapping/>
   </p:clrMapOvr>
-  <p:timing>
-    <p:tnLst>
-      <p:par>
-        <p:cTn id="1" dur="indefinite" restart="never" nodeType="tmRoot"/>
-      </p:par>
-    </p:tnLst>
-  </p:timing>
 </p:sld>
 </file>
 
@@ -8130,7 +8066,7 @@
           <a:lstStyle/>
           <a:p>
             <a:r>
-              <a:rPr lang="de-CH" dirty="0" smtClean="0"/>
+              <a:rPr lang="de-CH" dirty="0"/>
               <a:t>Prototyp </a:t>
             </a:r>
             <a:r>
@@ -8179,13 +8115,6 @@
   <p:clrMapOvr>
     <a:masterClrMapping/>
   </p:clrMapOvr>
-  <p:timing>
-    <p:tnLst>
-      <p:par>
-        <p:cTn id="1" dur="indefinite" restart="never" nodeType="tmRoot"/>
-      </p:par>
-    </p:tnLst>
-  </p:timing>
 </p:sld>
 </file>
 
@@ -8252,14 +8181,11 @@
           <a:p>
             <a:pPr eaLnBrk="1" hangingPunct="1"/>
             <a:r>
-              <a:rPr lang="de-CH" dirty="0" smtClean="0">
+              <a:rPr lang="de-CH" dirty="0">
                 <a:latin typeface="Lucida Sans" pitchFamily="34" charset="0"/>
               </a:rPr>
               <a:t>Sequenzdiagramm Medikamentenverordnung</a:t>
             </a:r>
-            <a:endParaRPr lang="de-CH" dirty="0">
-              <a:latin typeface="Lucida Sans" pitchFamily="34" charset="0"/>
-            </a:endParaRPr>
           </a:p>
         </p:txBody>
       </p:sp>
@@ -8302,13 +8228,6 @@
   <p:clrMapOvr>
     <a:masterClrMapping/>
   </p:clrMapOvr>
-  <p:timing>
-    <p:tnLst>
-      <p:par>
-        <p:cTn id="1" dur="indefinite" restart="never" nodeType="tmRoot"/>
-      </p:par>
-    </p:tnLst>
-  </p:timing>
 </p:sld>
 </file>
 
@@ -8345,10 +8264,9 @@
           <a:lstStyle/>
           <a:p>
             <a:r>
-              <a:rPr lang="de-CH" dirty="0" smtClean="0"/>
+              <a:rPr lang="de-CH" dirty="0"/>
               <a:t>Prototyp Terminplan</a:t>
             </a:r>
-            <a:endParaRPr lang="de-CH" dirty="0"/>
           </a:p>
         </p:txBody>
       </p:sp>
@@ -8412,13 +8330,6 @@
   <p:clrMapOvr>
     <a:masterClrMapping/>
   </p:clrMapOvr>
-  <p:timing>
-    <p:tnLst>
-      <p:par>
-        <p:cTn id="1" dur="indefinite" restart="never" nodeType="tmRoot"/>
-      </p:par>
-    </p:tnLst>
-  </p:timing>
 </p:sld>
 </file>
 
@@ -8488,29 +8399,8 @@
               <a:rPr lang="de-CH" dirty="0">
                 <a:latin typeface="Lucida Sans" pitchFamily="34" charset="0"/>
               </a:rPr>
-              <a:t>UML </a:t>
-            </a:r>
-            <a:r>
-              <a:rPr lang="de-CH" dirty="0" err="1">
-                <a:latin typeface="Lucida Sans" pitchFamily="34" charset="0"/>
-              </a:rPr>
-              <a:t>domain</a:t>
-            </a:r>
-            <a:r>
-              <a:rPr lang="de-CH" dirty="0">
-                <a:latin typeface="Lucida Sans" pitchFamily="34" charset="0"/>
-              </a:rPr>
-              <a:t> </a:t>
-            </a:r>
-            <a:r>
-              <a:rPr lang="de-CH" dirty="0" err="1">
-                <a:latin typeface="Lucida Sans" pitchFamily="34" charset="0"/>
-              </a:rPr>
-              <a:t>model</a:t>
-            </a:r>
-            <a:endParaRPr lang="de-CH" dirty="0">
-              <a:latin typeface="Lucida Sans" pitchFamily="34" charset="0"/>
-            </a:endParaRPr>
+              <a:t>Sequenzdiagramm Strukturierter Termin</a:t>
+            </a:r>
           </a:p>
         </p:txBody>
       </p:sp>
@@ -8553,13 +8443,6 @@
   <p:clrMapOvr>
     <a:masterClrMapping/>
   </p:clrMapOvr>
-  <p:timing>
-    <p:tnLst>
-      <p:par>
-        <p:cTn id="1" dur="indefinite" restart="never" nodeType="tmRoot"/>
-      </p:par>
-    </p:tnLst>
-  </p:timing>
 </p:sld>
 </file>
 
@@ -9174,6 +9057,21 @@
 </file>
 
 <file path=customXml/item1.xml><?xml version="1.0" encoding="utf-8"?>
+<p:properties xmlns:p="http://schemas.microsoft.com/office/2006/metadata/properties" xmlns:xsi="http://www.w3.org/2001/XMLSchema-instance" xmlns:pc="http://schemas.microsoft.com/office/infopath/2007/PartnerControls">
+  <documentManagement/>
+</p:properties>
+</file>
+
+<file path=customXml/item2.xml><?xml version="1.0" encoding="utf-8"?>
+<?mso-contentType ?>
+<FormTemplates xmlns="http://schemas.microsoft.com/sharepoint/v3/contenttype/forms">
+  <Display>DocumentLibraryForm</Display>
+  <Edit>DocumentLibraryForm</Edit>
+  <New>DocumentLibraryForm</New>
+</FormTemplates>
+</file>
+
+<file path=customXml/item3.xml><?xml version="1.0" encoding="utf-8"?>
 <ct:contentTypeSchema xmlns:ct="http://schemas.microsoft.com/office/2006/metadata/contentType" xmlns:ma="http://schemas.microsoft.com/office/2006/metadata/properties/metaAttributes" ct:_="" ma:_="" ma:contentTypeName="Dokument" ma:contentTypeID="0x010100D78F6B955CE49741A0DA794E1BD19823" ma:contentTypeVersion="2" ma:contentTypeDescription="Ein neues Dokument erstellen." ma:contentTypeScope="" ma:versionID="b38c4b257f07a2bbe2e881e426cae38b">
   <xsd:schema xmlns:xsd="http://www.w3.org/2001/XMLSchema" xmlns:xs="http://www.w3.org/2001/XMLSchema" xmlns:p="http://schemas.microsoft.com/office/2006/metadata/properties" xmlns:ns3="de7f4a71-b510-446a-a776-c787f58d5553" targetNamespace="http://schemas.microsoft.com/office/2006/metadata/properties" ma:root="true" ma:fieldsID="98d1d1f20bcd69e07f996ac788fb9573" ns3:_="">
     <xsd:import namespace="de7f4a71-b510-446a-a776-c787f58d5553"/>
@@ -9305,22 +9203,31 @@
 </ct:contentTypeSchema>
 </file>
 
-<file path=customXml/item2.xml><?xml version="1.0" encoding="utf-8"?>
-<?mso-contentType ?>
-<FormTemplates xmlns="http://schemas.microsoft.com/sharepoint/v3/contenttype/forms">
-  <Display>DocumentLibraryForm</Display>
-  <Edit>DocumentLibraryForm</Edit>
-  <New>DocumentLibraryForm</New>
-</FormTemplates>
+<file path=customXml/itemProps1.xml><?xml version="1.0" encoding="utf-8"?>
+<ds:datastoreItem xmlns:ds="http://schemas.openxmlformats.org/officeDocument/2006/customXml" ds:itemID="{66985437-8812-4ABE-89CE-3E49C89E0BF6}">
+  <ds:schemaRefs>
+    <ds:schemaRef ds:uri="http://purl.org/dc/dcmitype/"/>
+    <ds:schemaRef ds:uri="de7f4a71-b510-446a-a776-c787f58d5553"/>
+    <ds:schemaRef ds:uri="http://purl.org/dc/elements/1.1/"/>
+    <ds:schemaRef ds:uri="http://schemas.microsoft.com/office/2006/metadata/properties"/>
+    <ds:schemaRef ds:uri="http://schemas.microsoft.com/office/2006/documentManagement/types"/>
+    <ds:schemaRef ds:uri="http://purl.org/dc/terms/"/>
+    <ds:schemaRef ds:uri="http://schemas.microsoft.com/office/infopath/2007/PartnerControls"/>
+    <ds:schemaRef ds:uri="http://schemas.openxmlformats.org/package/2006/metadata/core-properties"/>
+    <ds:schemaRef ds:uri="http://www.w3.org/XML/1998/namespace"/>
+  </ds:schemaRefs>
+</ds:datastoreItem>
 </file>
 
-<file path=customXml/item3.xml><?xml version="1.0" encoding="utf-8"?>
-<p:properties xmlns:p="http://schemas.microsoft.com/office/2006/metadata/properties" xmlns:xsi="http://www.w3.org/2001/XMLSchema-instance" xmlns:pc="http://schemas.microsoft.com/office/infopath/2007/PartnerControls">
-  <documentManagement/>
-</p:properties>
+<file path=customXml/itemProps2.xml><?xml version="1.0" encoding="utf-8"?>
+<ds:datastoreItem xmlns:ds="http://schemas.openxmlformats.org/officeDocument/2006/customXml" ds:itemID="{7D2542CC-467A-4770-BDA7-ADCFF09F6DBF}">
+  <ds:schemaRefs>
+    <ds:schemaRef ds:uri="http://schemas.microsoft.com/sharepoint/v3/contenttype/forms"/>
+  </ds:schemaRefs>
+</ds:datastoreItem>
 </file>
 
-<file path=customXml/itemProps1.xml><?xml version="1.0" encoding="utf-8"?>
+<file path=customXml/itemProps3.xml><?xml version="1.0" encoding="utf-8"?>
 <ds:datastoreItem xmlns:ds="http://schemas.openxmlformats.org/officeDocument/2006/customXml" ds:itemID="{0626A31D-3B82-488A-B68B-0B333E20C417}">
   <ds:schemaRefs>
     <ds:schemaRef ds:uri="http://schemas.microsoft.com/office/2006/metadata/contentType"/>
@@ -9336,28 +9243,4 @@
     <ds:schemaRef ds:uri="http://schemas.microsoft.com/internal/obd"/>
   </ds:schemaRefs>
 </ds:datastoreItem>
-</file>
-
-<file path=customXml/itemProps2.xml><?xml version="1.0" encoding="utf-8"?>
-<ds:datastoreItem xmlns:ds="http://schemas.openxmlformats.org/officeDocument/2006/customXml" ds:itemID="{7D2542CC-467A-4770-BDA7-ADCFF09F6DBF}">
-  <ds:schemaRefs>
-    <ds:schemaRef ds:uri="http://schemas.microsoft.com/sharepoint/v3/contenttype/forms"/>
-  </ds:schemaRefs>
-</ds:datastoreItem>
-</file>
-
-<file path=customXml/itemProps3.xml><?xml version="1.0" encoding="utf-8"?>
-<ds:datastoreItem xmlns:ds="http://schemas.openxmlformats.org/officeDocument/2006/customXml" ds:itemID="{66985437-8812-4ABE-89CE-3E49C89E0BF6}">
-  <ds:schemaRefs>
-    <ds:schemaRef ds:uri="http://purl.org/dc/dcmitype/"/>
-    <ds:schemaRef ds:uri="de7f4a71-b510-446a-a776-c787f58d5553"/>
-    <ds:schemaRef ds:uri="http://purl.org/dc/elements/1.1/"/>
-    <ds:schemaRef ds:uri="http://schemas.microsoft.com/office/2006/metadata/properties"/>
-    <ds:schemaRef ds:uri="http://schemas.microsoft.com/office/2006/documentManagement/types"/>
-    <ds:schemaRef ds:uri="http://purl.org/dc/terms/"/>
-    <ds:schemaRef ds:uri="http://schemas.microsoft.com/office/infopath/2007/PartnerControls"/>
-    <ds:schemaRef ds:uri="http://schemas.openxmlformats.org/package/2006/metadata/core-properties"/>
-    <ds:schemaRef ds:uri="http://www.w3.org/XML/1998/namespace"/>
-  </ds:schemaRefs>
-</ds:datastoreItem>
 </file>
--- a/doc/task-02/Präsentation/Task02- Ärzte - Suchtpatienten.pptx
+++ b/doc/task-02/Präsentation/Task02- Ärzte - Suchtpatienten.pptx
@@ -5,20 +5,21 @@
     <p:sldMasterId id="2147483669" r:id="rId4"/>
   </p:sldMasterIdLst>
   <p:notesMasterIdLst>
-    <p:notesMasterId r:id="rId16"/>
+    <p:notesMasterId r:id="rId17"/>
   </p:notesMasterIdLst>
   <p:sldIdLst>
     <p:sldId id="256" r:id="rId5"/>
     <p:sldId id="258" r:id="rId6"/>
-    <p:sldId id="257" r:id="rId7"/>
-    <p:sldId id="260" r:id="rId8"/>
-    <p:sldId id="297" r:id="rId9"/>
-    <p:sldId id="300" r:id="rId10"/>
-    <p:sldId id="298" r:id="rId11"/>
-    <p:sldId id="301" r:id="rId12"/>
-    <p:sldId id="299" r:id="rId13"/>
-    <p:sldId id="295" r:id="rId14"/>
-    <p:sldId id="296" r:id="rId15"/>
+    <p:sldId id="292" r:id="rId7"/>
+    <p:sldId id="257" r:id="rId8"/>
+    <p:sldId id="260" r:id="rId9"/>
+    <p:sldId id="297" r:id="rId10"/>
+    <p:sldId id="300" r:id="rId11"/>
+    <p:sldId id="298" r:id="rId12"/>
+    <p:sldId id="301" r:id="rId13"/>
+    <p:sldId id="299" r:id="rId14"/>
+    <p:sldId id="295" r:id="rId15"/>
+    <p:sldId id="296" r:id="rId16"/>
   </p:sldIdLst>
   <p:sldSz cx="12207875" cy="6858000"/>
   <p:notesSz cx="6797675" cy="9872663"/>
@@ -257,7 +258,7 @@
               <a:pPr>
                 <a:defRPr/>
               </a:pPr>
-              <a:t>13.11.2019</a:t>
+              <a:t>14.11.2019</a:t>
             </a:fld>
             <a:endParaRPr lang="de-CH"/>
           </a:p>
@@ -676,7 +677,7 @@
               <a:pPr>
                 <a:defRPr/>
               </a:pPr>
-              <a:t>7</a:t>
+              <a:t>8</a:t>
             </a:fld>
             <a:endParaRPr lang="de-CH"/>
           </a:p>
@@ -1318,7 +1319,7 @@
               <a:pPr>
                 <a:defRPr/>
               </a:pPr>
-              <a:t>13.11.2019</a:t>
+              <a:t>14.11.2019</a:t>
             </a:fld>
             <a:r>
               <a:rPr lang="de-DE" sz="1000"/>
@@ -2756,7 +2757,7 @@
               <a:pPr>
                 <a:defRPr/>
               </a:pPr>
-              <a:t>13.11.2019</a:t>
+              <a:t>14.11.2019</a:t>
             </a:fld>
             <a:r>
               <a:rPr lang="de-DE" sz="1000"/>
@@ -7058,6 +7059,119 @@
           <a:chExt cx="0" cy="0"/>
         </a:xfrm>
       </p:grpSpPr>
+      <p:sp>
+        <p:nvSpPr>
+          <p:cNvPr id="10243" name="Titel 2"/>
+          <p:cNvSpPr>
+            <a:spLocks noGrp="1"/>
+          </p:cNvSpPr>
+          <p:nvPr>
+            <p:ph type="ctrTitle"/>
+          </p:nvPr>
+        </p:nvSpPr>
+        <p:spPr bwMode="auto">
+          <a:xfrm>
+            <a:off x="457200" y="360363"/>
+            <a:ext cx="11249025" cy="539750"/>
+          </a:xfrm>
+          <a:noFill/>
+          <a:extLst>
+            <a:ext uri="{909E8E84-426E-40DD-AFC4-6F175D3DCCD1}">
+              <a14:hiddenFill xmlns:a14="http://schemas.microsoft.com/office/drawing/2010/main">
+                <a:solidFill>
+                  <a:srgbClr val="FFFFFF"/>
+                </a:solidFill>
+              </a14:hiddenFill>
+            </a:ext>
+            <a:ext uri="{91240B29-F687-4F45-9708-019B960494DF}">
+              <a14:hiddenLine xmlns:a14="http://schemas.microsoft.com/office/drawing/2010/main" w="9525">
+                <a:solidFill>
+                  <a:srgbClr val="000000"/>
+                </a:solidFill>
+                <a:miter lim="800000"/>
+                <a:headEnd/>
+                <a:tailEnd/>
+              </a14:hiddenLine>
+            </a:ext>
+          </a:extLst>
+        </p:spPr>
+        <p:txBody>
+          <a:bodyPr vert="horz" wrap="square" tIns="45720" bIns="45720" numCol="1" anchor="t" anchorCtr="0" compatLnSpc="1">
+            <a:prstTxWarp prst="textNoShape">
+              <a:avLst/>
+            </a:prstTxWarp>
+          </a:bodyPr>
+          <a:lstStyle/>
+          <a:p>
+            <a:pPr eaLnBrk="1" hangingPunct="1"/>
+            <a:r>
+              <a:rPr lang="de-CH" dirty="0">
+                <a:latin typeface="Lucida Sans" pitchFamily="34" charset="0"/>
+              </a:rPr>
+              <a:t>Sequenzdiagramm Strukturierter Termin</a:t>
+            </a:r>
+          </a:p>
+        </p:txBody>
+      </p:sp>
+      <p:pic>
+        <p:nvPicPr>
+          <p:cNvPr id="4" name="Inhaltsplatzhalter 3"/>
+          <p:cNvPicPr>
+            <a:picLocks noGrp="1" noChangeAspect="1"/>
+          </p:cNvPicPr>
+          <p:nvPr>
+            <p:ph sz="half" idx="1"/>
+          </p:nvPr>
+        </p:nvPicPr>
+        <p:blipFill>
+          <a:blip r:embed="rId2">
+            <a:extLst>
+              <a:ext uri="{28A0092B-C50C-407E-A947-70E740481C1C}">
+                <a14:useLocalDpi xmlns:a14="http://schemas.microsoft.com/office/drawing/2010/main" val="0"/>
+              </a:ext>
+            </a:extLst>
+          </a:blip>
+          <a:stretch>
+            <a:fillRect/>
+          </a:stretch>
+        </p:blipFill>
+        <p:spPr>
+          <a:xfrm>
+            <a:off x="2362937" y="900113"/>
+            <a:ext cx="7437549" cy="5456694"/>
+          </a:xfrm>
+        </p:spPr>
+      </p:pic>
+    </p:spTree>
+    <p:extLst>
+      <p:ext uri="{BB962C8B-B14F-4D97-AF65-F5344CB8AC3E}">
+        <p14:creationId xmlns:p14="http://schemas.microsoft.com/office/powerpoint/2010/main" val="207245033"/>
+      </p:ext>
+    </p:extLst>
+  </p:cSld>
+  <p:clrMapOvr>
+    <a:masterClrMapping/>
+  </p:clrMapOvr>
+</p:sld>
+</file>
+
+<file path=ppt/slides/slide11.xml><?xml version="1.0" encoding="utf-8"?>
+<p:sld xmlns:a="http://schemas.openxmlformats.org/drawingml/2006/main" xmlns:r="http://schemas.openxmlformats.org/officeDocument/2006/relationships" xmlns:p="http://schemas.openxmlformats.org/presentationml/2006/main">
+  <p:cSld>
+    <p:spTree>
+      <p:nvGrpSpPr>
+        <p:cNvPr id="1" name=""/>
+        <p:cNvGrpSpPr/>
+        <p:nvPr/>
+      </p:nvGrpSpPr>
+      <p:grpSpPr>
+        <a:xfrm>
+          <a:off x="0" y="0"/>
+          <a:ext cx="0" cy="0"/>
+          <a:chOff x="0" y="0"/>
+          <a:chExt cx="0" cy="0"/>
+        </a:xfrm>
+      </p:grpSpPr>
       <p:pic>
         <p:nvPicPr>
           <p:cNvPr id="13" name="Grafik 12">
@@ -7170,7 +7284,7 @@
 </p:sld>
 </file>
 
-<file path=ppt/slides/slide11.xml><?xml version="1.0" encoding="utf-8"?>
+<file path=ppt/slides/slide12.xml><?xml version="1.0" encoding="utf-8"?>
 <p:sld xmlns:a="http://schemas.openxmlformats.org/drawingml/2006/main" xmlns:r="http://schemas.openxmlformats.org/officeDocument/2006/relationships" xmlns:p="http://schemas.openxmlformats.org/presentationml/2006/main">
   <p:cSld>
     <p:spTree>
@@ -7387,33 +7501,8 @@
                 <a:latin typeface="Lucida Sans" pitchFamily="34" charset="0"/>
                 <a:cs typeface="Lucida Sans Unicode" pitchFamily="34" charset="0"/>
               </a:rPr>
-              <a:t>UML </a:t>
-            </a:r>
-            <a:r>
-              <a:rPr lang="de-CH" dirty="0" err="1">
-                <a:latin typeface="Lucida Sans" pitchFamily="34" charset="0"/>
-                <a:cs typeface="Lucida Sans Unicode" pitchFamily="34" charset="0"/>
-              </a:rPr>
-              <a:t>domain</a:t>
-            </a:r>
-            <a:r>
-              <a:rPr lang="de-CH" dirty="0">
-                <a:latin typeface="Lucida Sans" pitchFamily="34" charset="0"/>
-                <a:cs typeface="Lucida Sans Unicode" pitchFamily="34" charset="0"/>
-              </a:rPr>
-              <a:t> </a:t>
-            </a:r>
-            <a:r>
-              <a:rPr lang="de-CH" dirty="0" err="1">
-                <a:latin typeface="Lucida Sans" pitchFamily="34" charset="0"/>
-                <a:cs typeface="Lucida Sans Unicode" pitchFamily="34" charset="0"/>
-              </a:rPr>
-              <a:t>model</a:t>
-            </a:r>
-            <a:endParaRPr lang="de-CH" dirty="0">
-              <a:latin typeface="Lucida Sans" pitchFamily="34" charset="0"/>
-              <a:cs typeface="Lucida Sans Unicode" pitchFamily="34" charset="0"/>
-            </a:endParaRPr>
+              <a:t>UML Domain Model</a:t>
+            </a:r>
           </a:p>
           <a:p>
             <a:pPr marL="342900" indent="-342900" eaLnBrk="1" hangingPunct="1">
@@ -7435,14 +7524,14 @@
                 <a:latin typeface="Lucida Sans" pitchFamily="34" charset="0"/>
                 <a:cs typeface="Lucida Sans Unicode" pitchFamily="34" charset="0"/>
               </a:rPr>
-              <a:t> </a:t>
-            </a:r>
-            <a:r>
-              <a:rPr lang="de-CH" dirty="0" err="1">
+              <a:t> D</a:t>
+            </a:r>
+            <a:r>
+              <a:rPr lang="de-CH">
                 <a:latin typeface="Lucida Sans" pitchFamily="34" charset="0"/>
                 <a:cs typeface="Lucida Sans Unicode" pitchFamily="34" charset="0"/>
               </a:rPr>
-              <a:t>diagram</a:t>
+              <a:t>iagram</a:t>
             </a:r>
             <a:endParaRPr lang="de-CH" dirty="0">
               <a:latin typeface="Lucida Sans" pitchFamily="34" charset="0"/>
@@ -7478,6 +7567,180 @@
       </p:grpSpPr>
       <p:sp>
         <p:nvSpPr>
+          <p:cNvPr id="3" name="Titel 2">
+            <a:extLst>
+              <a:ext uri="{FF2B5EF4-FFF2-40B4-BE49-F238E27FC236}">
+                <a16:creationId xmlns:a16="http://schemas.microsoft.com/office/drawing/2014/main" id="{A1BB2C0B-FD44-45F3-A1BA-A1E0E5E9EFC8}"/>
+              </a:ext>
+            </a:extLst>
+          </p:cNvPr>
+          <p:cNvSpPr>
+            <a:spLocks noGrp="1"/>
+          </p:cNvSpPr>
+          <p:nvPr>
+            <p:ph type="ctrTitle"/>
+          </p:nvPr>
+        </p:nvSpPr>
+        <p:spPr/>
+        <p:txBody>
+          <a:bodyPr/>
+          <a:lstStyle/>
+          <a:p>
+            <a:r>
+              <a:rPr lang="de-CH" dirty="0"/>
+              <a:t>Funktionale Benutzeranforderungen</a:t>
+            </a:r>
+          </a:p>
+        </p:txBody>
+      </p:sp>
+      <p:sp>
+        <p:nvSpPr>
+          <p:cNvPr id="4" name="Inhaltsplatzhalter 1">
+            <a:extLst>
+              <a:ext uri="{FF2B5EF4-FFF2-40B4-BE49-F238E27FC236}">
+                <a16:creationId xmlns:a16="http://schemas.microsoft.com/office/drawing/2014/main" id="{5B20EF2A-A02E-4A15-812F-E0177C9728EB}"/>
+              </a:ext>
+            </a:extLst>
+          </p:cNvPr>
+          <p:cNvSpPr>
+            <a:spLocks noGrp="1"/>
+          </p:cNvSpPr>
+          <p:nvPr>
+            <p:ph sz="half" idx="1"/>
+          </p:nvPr>
+        </p:nvSpPr>
+        <p:spPr>
+          <a:xfrm>
+            <a:off x="457200" y="1331913"/>
+            <a:ext cx="11249025" cy="4787900"/>
+          </a:xfrm>
+        </p:spPr>
+        <p:txBody>
+          <a:bodyPr/>
+          <a:lstStyle/>
+          <a:p>
+            <a:pPr lvl="1"/>
+            <a:r>
+              <a:rPr lang="de-CH" dirty="0"/>
+              <a:t>Benutzer kann Patienten im System erfassen und Daten eingeben</a:t>
+            </a:r>
+          </a:p>
+          <a:p>
+            <a:pPr lvl="1"/>
+            <a:r>
+              <a:rPr lang="de-CH" dirty="0"/>
+              <a:t>Benutzer kann Patientendaten – wenn freigegeben – aus EPD abrufen</a:t>
+            </a:r>
+          </a:p>
+          <a:p>
+            <a:pPr lvl="2"/>
+            <a:r>
+              <a:rPr lang="de-CH" dirty="0"/>
+              <a:t>Die EPD Anbindung wird simuliert</a:t>
+            </a:r>
+          </a:p>
+          <a:p>
+            <a:pPr lvl="1"/>
+            <a:r>
+              <a:rPr lang="de-CH" dirty="0"/>
+              <a:t>Benutzer kann Medikamente verschreiben</a:t>
+            </a:r>
+          </a:p>
+          <a:p>
+            <a:pPr lvl="2"/>
+            <a:r>
+              <a:rPr lang="de-CH" dirty="0"/>
+              <a:t>Die Anbindung ans </a:t>
+            </a:r>
+            <a:r>
+              <a:rPr lang="de-CH" dirty="0" err="1"/>
+              <a:t>hospINDEX</a:t>
+            </a:r>
+            <a:r>
+              <a:rPr lang="de-CH" dirty="0"/>
+              <a:t> wird simuliert</a:t>
+            </a:r>
+          </a:p>
+          <a:p>
+            <a:pPr lvl="1"/>
+            <a:r>
+              <a:rPr lang="de-CH" dirty="0"/>
+              <a:t>Dem Benutzer steht ein Tool zur Verfügung, mit dem er plausibilisieren kann, ob die Medikamente genommen werden</a:t>
+            </a:r>
+          </a:p>
+          <a:p>
+            <a:pPr lvl="1"/>
+            <a:r>
+              <a:rPr lang="de-CH" dirty="0"/>
+              <a:t>Benutzer kann seine Patiententermine verwalten</a:t>
+            </a:r>
+          </a:p>
+          <a:p>
+            <a:pPr lvl="1"/>
+            <a:r>
+              <a:rPr lang="de-CH" dirty="0"/>
+              <a:t>Benutzer kann sich ausserhalb der Organisation in das System einloggen</a:t>
+            </a:r>
+          </a:p>
+          <a:p>
+            <a:pPr lvl="2"/>
+            <a:r>
+              <a:rPr lang="de-CH" dirty="0"/>
+              <a:t>Keine Authentisierungsmechanismus mit SMS/</a:t>
+            </a:r>
+            <a:r>
+              <a:rPr lang="de-CH" dirty="0" err="1"/>
+              <a:t>mOTP</a:t>
+            </a:r>
+            <a:r>
+              <a:rPr lang="de-CH" dirty="0"/>
+              <a:t>/… etc. wird realisiert</a:t>
+            </a:r>
+          </a:p>
+          <a:p>
+            <a:pPr lvl="1"/>
+            <a:r>
+              <a:rPr lang="de-CH" dirty="0"/>
+              <a:t>Benutzer kann vorausgefüllte Formulare ausdrucken</a:t>
+            </a:r>
+          </a:p>
+          <a:p>
+            <a:endParaRPr lang="de-CH" sz="1400" dirty="0"/>
+          </a:p>
+        </p:txBody>
+      </p:sp>
+    </p:spTree>
+    <p:extLst>
+      <p:ext uri="{BB962C8B-B14F-4D97-AF65-F5344CB8AC3E}">
+        <p14:creationId xmlns:p14="http://schemas.microsoft.com/office/powerpoint/2010/main" val="189530972"/>
+      </p:ext>
+    </p:extLst>
+  </p:cSld>
+  <p:clrMapOvr>
+    <a:masterClrMapping/>
+  </p:clrMapOvr>
+</p:sld>
+</file>
+
+<file path=ppt/slides/slide4.xml><?xml version="1.0" encoding="utf-8"?>
+<p:sld xmlns:a="http://schemas.openxmlformats.org/drawingml/2006/main" xmlns:r="http://schemas.openxmlformats.org/officeDocument/2006/relationships" xmlns:p="http://schemas.openxmlformats.org/presentationml/2006/main">
+  <p:cSld>
+    <p:spTree>
+      <p:nvGrpSpPr>
+        <p:cNvPr id="1" name=""/>
+        <p:cNvGrpSpPr/>
+        <p:nvPr/>
+      </p:nvGrpSpPr>
+      <p:grpSpPr>
+        <a:xfrm>
+          <a:off x="0" y="0"/>
+          <a:ext cx="0" cy="0"/>
+          <a:chOff x="0" y="0"/>
+          <a:chExt cx="0" cy="0"/>
+        </a:xfrm>
+      </p:grpSpPr>
+      <p:sp>
+        <p:nvSpPr>
           <p:cNvPr id="7170" name="Titel 1"/>
           <p:cNvSpPr>
             <a:spLocks noGrp="1"/>
@@ -7678,7 +7941,7 @@
 </p:sld>
 </file>
 
-<file path=ppt/slides/slide4.xml><?xml version="1.0" encoding="utf-8"?>
+<file path=ppt/slides/slide5.xml><?xml version="1.0" encoding="utf-8"?>
 <p:sld xmlns:a="http://schemas.openxmlformats.org/drawingml/2006/main" xmlns:r="http://schemas.openxmlformats.org/officeDocument/2006/relationships" xmlns:p="http://schemas.openxmlformats.org/presentationml/2006/main">
   <p:cSld>
     <p:spTree>
@@ -7810,7 +8073,7 @@
 </p:sld>
 </file>
 
-<file path=ppt/slides/slide5.xml><?xml version="1.0" encoding="utf-8"?>
+<file path=ppt/slides/slide6.xml><?xml version="1.0" encoding="utf-8"?>
 <p:sld xmlns:a="http://schemas.openxmlformats.org/drawingml/2006/main" xmlns:r="http://schemas.openxmlformats.org/officeDocument/2006/relationships" xmlns:p="http://schemas.openxmlformats.org/presentationml/2006/main">
   <p:cSld>
     <p:spTree>
@@ -7891,7 +8154,7 @@
                 <a:latin typeface="Lucida Sans" pitchFamily="34" charset="0"/>
                 <a:cs typeface="Lucida Sans Unicode" pitchFamily="34" charset="0"/>
               </a:rPr>
-              <a:t>diagram</a:t>
+              <a:t>Diagram</a:t>
             </a:r>
             <a:br>
               <a:rPr lang="de-CH" dirty="0">
@@ -8033,7 +8296,7 @@
 </p:sld>
 </file>
 
-<file path=ppt/slides/slide6.xml><?xml version="1.0" encoding="utf-8"?>
+<file path=ppt/slides/slide7.xml><?xml version="1.0" encoding="utf-8"?>
 <p:sld xmlns:a="http://schemas.openxmlformats.org/drawingml/2006/main" xmlns:r="http://schemas.openxmlformats.org/officeDocument/2006/relationships" xmlns:p="http://schemas.openxmlformats.org/presentationml/2006/main">
   <p:cSld>
     <p:spTree>
@@ -8118,7 +8381,7 @@
 </p:sld>
 </file>
 
-<file path=ppt/slides/slide7.xml><?xml version="1.0" encoding="utf-8"?>
+<file path=ppt/slides/slide8.xml><?xml version="1.0" encoding="utf-8"?>
 <p:sld xmlns:a="http://schemas.openxmlformats.org/drawingml/2006/main" xmlns:r="http://schemas.openxmlformats.org/officeDocument/2006/relationships" xmlns:p="http://schemas.openxmlformats.org/presentationml/2006/main">
   <p:cSld>
     <p:spTree>
@@ -8231,7 +8494,7 @@
 </p:sld>
 </file>
 
-<file path=ppt/slides/slide8.xml><?xml version="1.0" encoding="utf-8"?>
+<file path=ppt/slides/slide9.xml><?xml version="1.0" encoding="utf-8"?>
 <p:sld xmlns:a="http://schemas.openxmlformats.org/drawingml/2006/main" xmlns:r="http://schemas.openxmlformats.org/officeDocument/2006/relationships" xmlns:p="http://schemas.openxmlformats.org/presentationml/2006/main">
   <p:cSld>
     <p:spTree>
@@ -8324,119 +8587,6 @@
     <p:extLst>
       <p:ext uri="{BB962C8B-B14F-4D97-AF65-F5344CB8AC3E}">
         <p14:creationId xmlns:p14="http://schemas.microsoft.com/office/powerpoint/2010/main" val="3127065025"/>
-      </p:ext>
-    </p:extLst>
-  </p:cSld>
-  <p:clrMapOvr>
-    <a:masterClrMapping/>
-  </p:clrMapOvr>
-</p:sld>
-</file>
-
-<file path=ppt/slides/slide9.xml><?xml version="1.0" encoding="utf-8"?>
-<p:sld xmlns:a="http://schemas.openxmlformats.org/drawingml/2006/main" xmlns:r="http://schemas.openxmlformats.org/officeDocument/2006/relationships" xmlns:p="http://schemas.openxmlformats.org/presentationml/2006/main">
-  <p:cSld>
-    <p:spTree>
-      <p:nvGrpSpPr>
-        <p:cNvPr id="1" name=""/>
-        <p:cNvGrpSpPr/>
-        <p:nvPr/>
-      </p:nvGrpSpPr>
-      <p:grpSpPr>
-        <a:xfrm>
-          <a:off x="0" y="0"/>
-          <a:ext cx="0" cy="0"/>
-          <a:chOff x="0" y="0"/>
-          <a:chExt cx="0" cy="0"/>
-        </a:xfrm>
-      </p:grpSpPr>
-      <p:sp>
-        <p:nvSpPr>
-          <p:cNvPr id="10243" name="Titel 2"/>
-          <p:cNvSpPr>
-            <a:spLocks noGrp="1"/>
-          </p:cNvSpPr>
-          <p:nvPr>
-            <p:ph type="ctrTitle"/>
-          </p:nvPr>
-        </p:nvSpPr>
-        <p:spPr bwMode="auto">
-          <a:xfrm>
-            <a:off x="457200" y="360363"/>
-            <a:ext cx="11249025" cy="539750"/>
-          </a:xfrm>
-          <a:noFill/>
-          <a:extLst>
-            <a:ext uri="{909E8E84-426E-40DD-AFC4-6F175D3DCCD1}">
-              <a14:hiddenFill xmlns:a14="http://schemas.microsoft.com/office/drawing/2010/main">
-                <a:solidFill>
-                  <a:srgbClr val="FFFFFF"/>
-                </a:solidFill>
-              </a14:hiddenFill>
-            </a:ext>
-            <a:ext uri="{91240B29-F687-4F45-9708-019B960494DF}">
-              <a14:hiddenLine xmlns:a14="http://schemas.microsoft.com/office/drawing/2010/main" w="9525">
-                <a:solidFill>
-                  <a:srgbClr val="000000"/>
-                </a:solidFill>
-                <a:miter lim="800000"/>
-                <a:headEnd/>
-                <a:tailEnd/>
-              </a14:hiddenLine>
-            </a:ext>
-          </a:extLst>
-        </p:spPr>
-        <p:txBody>
-          <a:bodyPr vert="horz" wrap="square" tIns="45720" bIns="45720" numCol="1" anchor="t" anchorCtr="0" compatLnSpc="1">
-            <a:prstTxWarp prst="textNoShape">
-              <a:avLst/>
-            </a:prstTxWarp>
-          </a:bodyPr>
-          <a:lstStyle/>
-          <a:p>
-            <a:pPr eaLnBrk="1" hangingPunct="1"/>
-            <a:r>
-              <a:rPr lang="de-CH" dirty="0">
-                <a:latin typeface="Lucida Sans" pitchFamily="34" charset="0"/>
-              </a:rPr>
-              <a:t>Sequenzdiagramm Strukturierter Termin</a:t>
-            </a:r>
-          </a:p>
-        </p:txBody>
-      </p:sp>
-      <p:pic>
-        <p:nvPicPr>
-          <p:cNvPr id="4" name="Inhaltsplatzhalter 3"/>
-          <p:cNvPicPr>
-            <a:picLocks noGrp="1" noChangeAspect="1"/>
-          </p:cNvPicPr>
-          <p:nvPr>
-            <p:ph sz="half" idx="1"/>
-          </p:nvPr>
-        </p:nvPicPr>
-        <p:blipFill>
-          <a:blip r:embed="rId2">
-            <a:extLst>
-              <a:ext uri="{28A0092B-C50C-407E-A947-70E740481C1C}">
-                <a14:useLocalDpi xmlns:a14="http://schemas.microsoft.com/office/drawing/2010/main" val="0"/>
-              </a:ext>
-            </a:extLst>
-          </a:blip>
-          <a:stretch>
-            <a:fillRect/>
-          </a:stretch>
-        </p:blipFill>
-        <p:spPr>
-          <a:xfrm>
-            <a:off x="2362937" y="900113"/>
-            <a:ext cx="7437549" cy="5456694"/>
-          </a:xfrm>
-        </p:spPr>
-      </p:pic>
-    </p:spTree>
-    <p:extLst>
-      <p:ext uri="{BB962C8B-B14F-4D97-AF65-F5344CB8AC3E}">
-        <p14:creationId xmlns:p14="http://schemas.microsoft.com/office/powerpoint/2010/main" val="207245033"/>
       </p:ext>
     </p:extLst>
   </p:cSld>
@@ -9063,15 +9213,6 @@
 </file>
 
 <file path=customXml/item2.xml><?xml version="1.0" encoding="utf-8"?>
-<?mso-contentType ?>
-<FormTemplates xmlns="http://schemas.microsoft.com/sharepoint/v3/contenttype/forms">
-  <Display>DocumentLibraryForm</Display>
-  <Edit>DocumentLibraryForm</Edit>
-  <New>DocumentLibraryForm</New>
-</FormTemplates>
-</file>
-
-<file path=customXml/item3.xml><?xml version="1.0" encoding="utf-8"?>
 <ct:contentTypeSchema xmlns:ct="http://schemas.microsoft.com/office/2006/metadata/contentType" xmlns:ma="http://schemas.microsoft.com/office/2006/metadata/properties/metaAttributes" ct:_="" ma:_="" ma:contentTypeName="Dokument" ma:contentTypeID="0x010100D78F6B955CE49741A0DA794E1BD19823" ma:contentTypeVersion="2" ma:contentTypeDescription="Ein neues Dokument erstellen." ma:contentTypeScope="" ma:versionID="b38c4b257f07a2bbe2e881e426cae38b">
   <xsd:schema xmlns:xsd="http://www.w3.org/2001/XMLSchema" xmlns:xs="http://www.w3.org/2001/XMLSchema" xmlns:p="http://schemas.microsoft.com/office/2006/metadata/properties" xmlns:ns3="de7f4a71-b510-446a-a776-c787f58d5553" targetNamespace="http://schemas.microsoft.com/office/2006/metadata/properties" ma:root="true" ma:fieldsID="98d1d1f20bcd69e07f996ac788fb9573" ns3:_="">
     <xsd:import namespace="de7f4a71-b510-446a-a776-c787f58d5553"/>
@@ -9203,6 +9344,15 @@
 </ct:contentTypeSchema>
 </file>
 
+<file path=customXml/item3.xml><?xml version="1.0" encoding="utf-8"?>
+<?mso-contentType ?>
+<FormTemplates xmlns="http://schemas.microsoft.com/sharepoint/v3/contenttype/forms">
+  <Display>DocumentLibraryForm</Display>
+  <Edit>DocumentLibraryForm</Edit>
+  <New>DocumentLibraryForm</New>
+</FormTemplates>
+</file>
+
 <file path=customXml/itemProps1.xml><?xml version="1.0" encoding="utf-8"?>
 <ds:datastoreItem xmlns:ds="http://schemas.openxmlformats.org/officeDocument/2006/customXml" ds:itemID="{66985437-8812-4ABE-89CE-3E49C89E0BF6}">
   <ds:schemaRefs>
@@ -9220,14 +9370,6 @@
 </file>
 
 <file path=customXml/itemProps2.xml><?xml version="1.0" encoding="utf-8"?>
-<ds:datastoreItem xmlns:ds="http://schemas.openxmlformats.org/officeDocument/2006/customXml" ds:itemID="{7D2542CC-467A-4770-BDA7-ADCFF09F6DBF}">
-  <ds:schemaRefs>
-    <ds:schemaRef ds:uri="http://schemas.microsoft.com/sharepoint/v3/contenttype/forms"/>
-  </ds:schemaRefs>
-</ds:datastoreItem>
-</file>
-
-<file path=customXml/itemProps3.xml><?xml version="1.0" encoding="utf-8"?>
 <ds:datastoreItem xmlns:ds="http://schemas.openxmlformats.org/officeDocument/2006/customXml" ds:itemID="{0626A31D-3B82-488A-B68B-0B333E20C417}">
   <ds:schemaRefs>
     <ds:schemaRef ds:uri="http://schemas.microsoft.com/office/2006/metadata/contentType"/>
@@ -9243,4 +9385,12 @@
     <ds:schemaRef ds:uri="http://schemas.microsoft.com/internal/obd"/>
   </ds:schemaRefs>
 </ds:datastoreItem>
+</file>
+
+<file path=customXml/itemProps3.xml><?xml version="1.0" encoding="utf-8"?>
+<ds:datastoreItem xmlns:ds="http://schemas.openxmlformats.org/officeDocument/2006/customXml" ds:itemID="{7D2542CC-467A-4770-BDA7-ADCFF09F6DBF}">
+  <ds:schemaRefs>
+    <ds:schemaRef ds:uri="http://schemas.microsoft.com/sharepoint/v3/contenttype/forms"/>
+  </ds:schemaRefs>
+</ds:datastoreItem>
 </file>